--- a/NewThesis/LaTex-template-package/LaTex-template-package/Drawing4/auOverview.pptx
+++ b/NewThesis/LaTex-template-package/LaTex-template-package/Drawing4/auOverview.pptx
@@ -2,7 +2,7 @@
 <file path=ppt/presentation.xml><?xml version="1.0" encoding="utf-8"?>
 <p:presentation xmlns:a="http://schemas.openxmlformats.org/drawingml/2006/main" xmlns:r="http://schemas.openxmlformats.org/officeDocument/2006/relationships" xmlns:p="http://schemas.openxmlformats.org/presentationml/2006/main" saveSubsetFonts="1">
   <p:sldMasterIdLst>
-    <p:sldMasterId id="2147483780" r:id="rId1"/>
+    <p:sldMasterId id="2147483804" r:id="rId1"/>
   </p:sldMasterIdLst>
   <p:notesMasterIdLst>
     <p:notesMasterId r:id="rId3"/>
@@ -10,7 +10,7 @@
   <p:sldIdLst>
     <p:sldId id="257" r:id="rId2"/>
   </p:sldIdLst>
-  <p:sldSz cx="11879263" cy="7199313"/>
+  <p:sldSz cx="11879263" cy="9359900"/>
   <p:notesSz cx="6858000" cy="9144000"/>
   <p:defaultTextStyle>
     <a:defPPr>
@@ -197,7 +197,7 @@
           <a:p>
             <a:fld id="{69439091-2C92-4D7B-9ACF-2E96006E9DBD}" type="datetimeFigureOut">
               <a:rPr lang="en-US" smtClean="0"/>
-              <a:t>7/29/2016</a:t>
+              <a:t>8/8/2016</a:t>
             </a:fld>
             <a:endParaRPr lang="en-US"/>
           </a:p>
@@ -215,8 +215,8 @@
         </p:nvSpPr>
         <p:spPr>
           <a:xfrm>
-            <a:off x="884238" y="1143000"/>
-            <a:ext cx="5089525" cy="3086100"/>
+            <a:off x="1470025" y="1143000"/>
+            <a:ext cx="3917950" cy="3086100"/>
           </a:xfrm>
           <a:prstGeom prst="rect">
             <a:avLst/>
@@ -493,8 +493,8 @@
         </p:nvSpPr>
         <p:spPr>
           <a:xfrm>
-            <a:off x="884238" y="1143000"/>
-            <a:ext cx="5089525" cy="3086100"/>
+            <a:off x="1470025" y="1143000"/>
+            <a:ext cx="3917950" cy="3086100"/>
           </a:xfrm>
         </p:spPr>
       </p:sp>
@@ -582,15 +582,15 @@
         </p:nvSpPr>
         <p:spPr>
           <a:xfrm>
-            <a:off x="1484908" y="1178222"/>
-            <a:ext cx="8909447" cy="2506427"/>
+            <a:off x="890945" y="1531818"/>
+            <a:ext cx="10097374" cy="3258632"/>
           </a:xfrm>
         </p:spPr>
         <p:txBody>
           <a:bodyPr anchor="b"/>
           <a:lstStyle>
             <a:lvl1pPr algn="ctr">
-              <a:defRPr sz="5846"/>
+              <a:defRPr sz="7795"/>
             </a:lvl1pPr>
           </a:lstStyle>
           <a:p>
@@ -614,8 +614,8 @@
         </p:nvSpPr>
         <p:spPr>
           <a:xfrm>
-            <a:off x="1484908" y="3781306"/>
-            <a:ext cx="8909447" cy="1738167"/>
+            <a:off x="1484908" y="4916115"/>
+            <a:ext cx="8909447" cy="2259809"/>
           </a:xfrm>
         </p:spPr>
         <p:txBody>
@@ -623,39 +623,39 @@
           <a:lstStyle>
             <a:lvl1pPr marL="0" indent="0" algn="ctr">
               <a:buNone/>
+              <a:defRPr sz="3118"/>
+            </a:lvl1pPr>
+            <a:lvl2pPr marL="593949" indent="0" algn="ctr">
+              <a:buNone/>
+              <a:defRPr sz="2598"/>
+            </a:lvl2pPr>
+            <a:lvl3pPr marL="1187897" indent="0" algn="ctr">
+              <a:buNone/>
               <a:defRPr sz="2338"/>
-            </a:lvl1pPr>
-            <a:lvl2pPr marL="445450" indent="0" algn="ctr">
-              <a:buNone/>
-              <a:defRPr sz="1949"/>
-            </a:lvl2pPr>
-            <a:lvl3pPr marL="890900" indent="0" algn="ctr">
-              <a:buNone/>
-              <a:defRPr sz="1754"/>
             </a:lvl3pPr>
-            <a:lvl4pPr marL="1336350" indent="0" algn="ctr">
-              <a:buNone/>
-              <a:defRPr sz="1559"/>
+            <a:lvl4pPr marL="1781846" indent="0" algn="ctr">
+              <a:buNone/>
+              <a:defRPr sz="2079"/>
             </a:lvl4pPr>
-            <a:lvl5pPr marL="1781800" indent="0" algn="ctr">
-              <a:buNone/>
-              <a:defRPr sz="1559"/>
+            <a:lvl5pPr marL="2375794" indent="0" algn="ctr">
+              <a:buNone/>
+              <a:defRPr sz="2079"/>
             </a:lvl5pPr>
-            <a:lvl6pPr marL="2227250" indent="0" algn="ctr">
-              <a:buNone/>
-              <a:defRPr sz="1559"/>
+            <a:lvl6pPr marL="2969743" indent="0" algn="ctr">
+              <a:buNone/>
+              <a:defRPr sz="2079"/>
             </a:lvl6pPr>
-            <a:lvl7pPr marL="2672700" indent="0" algn="ctr">
-              <a:buNone/>
-              <a:defRPr sz="1559"/>
+            <a:lvl7pPr marL="3563691" indent="0" algn="ctr">
+              <a:buNone/>
+              <a:defRPr sz="2079"/>
             </a:lvl7pPr>
-            <a:lvl8pPr marL="3118150" indent="0" algn="ctr">
-              <a:buNone/>
-              <a:defRPr sz="1559"/>
+            <a:lvl8pPr marL="4157640" indent="0" algn="ctr">
+              <a:buNone/>
+              <a:defRPr sz="2079"/>
             </a:lvl8pPr>
-            <a:lvl9pPr marL="3563600" indent="0" algn="ctr">
-              <a:buNone/>
-              <a:defRPr sz="1559"/>
+            <a:lvl9pPr marL="4751588" indent="0" algn="ctr">
+              <a:buNone/>
+              <a:defRPr sz="2079"/>
             </a:lvl9pPr>
           </a:lstStyle>
           <a:p>
@@ -684,7 +684,7 @@
           <a:p>
             <a:fld id="{034EC1D1-0E05-47D0-B125-0ACF846A4397}" type="datetimeFigureOut">
               <a:rPr lang="en-US" smtClean="0"/>
-              <a:t>7/29/2016</a:t>
+              <a:t>8/8/2016</a:t>
             </a:fld>
             <a:endParaRPr lang="en-US"/>
           </a:p>
@@ -735,7 +735,7 @@
     </p:spTree>
     <p:extLst>
       <p:ext uri="{BB962C8B-B14F-4D97-AF65-F5344CB8AC3E}">
-        <p14:creationId xmlns:p14="http://schemas.microsoft.com/office/powerpoint/2010/main" val="3001389137"/>
+        <p14:creationId xmlns:p14="http://schemas.microsoft.com/office/powerpoint/2010/main" val="1945888711"/>
       </p:ext>
     </p:extLst>
   </p:cSld>
@@ -854,7 +854,7 @@
           <a:p>
             <a:fld id="{034EC1D1-0E05-47D0-B125-0ACF846A4397}" type="datetimeFigureOut">
               <a:rPr lang="en-US" smtClean="0"/>
-              <a:t>7/29/2016</a:t>
+              <a:t>8/8/2016</a:t>
             </a:fld>
             <a:endParaRPr lang="en-US"/>
           </a:p>
@@ -905,7 +905,7 @@
     </p:spTree>
     <p:extLst>
       <p:ext uri="{BB962C8B-B14F-4D97-AF65-F5344CB8AC3E}">
-        <p14:creationId xmlns:p14="http://schemas.microsoft.com/office/powerpoint/2010/main" val="1540340913"/>
+        <p14:creationId xmlns:p14="http://schemas.microsoft.com/office/powerpoint/2010/main" val="3132956519"/>
       </p:ext>
     </p:extLst>
   </p:cSld>
@@ -944,8 +944,8 @@
         </p:nvSpPr>
         <p:spPr>
           <a:xfrm>
-            <a:off x="8501098" y="383297"/>
-            <a:ext cx="2561466" cy="6101085"/>
+            <a:off x="8501098" y="498328"/>
+            <a:ext cx="2561466" cy="7932083"/>
           </a:xfrm>
         </p:spPr>
         <p:txBody>
@@ -972,8 +972,8 @@
         </p:nvSpPr>
         <p:spPr>
           <a:xfrm>
-            <a:off x="816700" y="383297"/>
-            <a:ext cx="7535907" cy="6101085"/>
+            <a:off x="816700" y="498328"/>
+            <a:ext cx="7535907" cy="7932083"/>
           </a:xfrm>
         </p:spPr>
         <p:txBody>
@@ -1034,7 +1034,7 @@
           <a:p>
             <a:fld id="{034EC1D1-0E05-47D0-B125-0ACF846A4397}" type="datetimeFigureOut">
               <a:rPr lang="en-US" smtClean="0"/>
-              <a:t>7/29/2016</a:t>
+              <a:t>8/8/2016</a:t>
             </a:fld>
             <a:endParaRPr lang="en-US"/>
           </a:p>
@@ -1085,7 +1085,7 @@
     </p:spTree>
     <p:extLst>
       <p:ext uri="{BB962C8B-B14F-4D97-AF65-F5344CB8AC3E}">
-        <p14:creationId xmlns:p14="http://schemas.microsoft.com/office/powerpoint/2010/main" val="3760906987"/>
+        <p14:creationId xmlns:p14="http://schemas.microsoft.com/office/powerpoint/2010/main" val="4237077982"/>
       </p:ext>
     </p:extLst>
   </p:cSld>
@@ -1204,7 +1204,7 @@
           <a:p>
             <a:fld id="{034EC1D1-0E05-47D0-B125-0ACF846A4397}" type="datetimeFigureOut">
               <a:rPr lang="en-US" smtClean="0"/>
-              <a:t>7/29/2016</a:t>
+              <a:t>8/8/2016</a:t>
             </a:fld>
             <a:endParaRPr lang="en-US"/>
           </a:p>
@@ -1255,7 +1255,7 @@
     </p:spTree>
     <p:extLst>
       <p:ext uri="{BB962C8B-B14F-4D97-AF65-F5344CB8AC3E}">
-        <p14:creationId xmlns:p14="http://schemas.microsoft.com/office/powerpoint/2010/main" val="2780896602"/>
+        <p14:creationId xmlns:p14="http://schemas.microsoft.com/office/powerpoint/2010/main" val="1799817404"/>
       </p:ext>
     </p:extLst>
   </p:cSld>
@@ -1294,15 +1294,15 @@
         </p:nvSpPr>
         <p:spPr>
           <a:xfrm>
-            <a:off x="810512" y="1794830"/>
-            <a:ext cx="10245864" cy="2994714"/>
+            <a:off x="810513" y="2333478"/>
+            <a:ext cx="10245864" cy="3893458"/>
           </a:xfrm>
         </p:spPr>
         <p:txBody>
           <a:bodyPr anchor="b"/>
           <a:lstStyle>
             <a:lvl1pPr>
-              <a:defRPr sz="5846"/>
+              <a:defRPr sz="7795"/>
             </a:lvl1pPr>
           </a:lstStyle>
           <a:p>
@@ -1326,14 +1326,32 @@
         </p:nvSpPr>
         <p:spPr>
           <a:xfrm>
-            <a:off x="810512" y="4817875"/>
-            <a:ext cx="10245864" cy="1574849"/>
+            <a:off x="810513" y="6263769"/>
+            <a:ext cx="10245864" cy="2047477"/>
           </a:xfrm>
         </p:spPr>
         <p:txBody>
           <a:bodyPr/>
           <a:lstStyle>
             <a:lvl1pPr marL="0" indent="0">
+              <a:buNone/>
+              <a:defRPr sz="3118">
+                <a:solidFill>
+                  <a:schemeClr val="tx1"/>
+                </a:solidFill>
+              </a:defRPr>
+            </a:lvl1pPr>
+            <a:lvl2pPr marL="593949" indent="0">
+              <a:buNone/>
+              <a:defRPr sz="2598">
+                <a:solidFill>
+                  <a:schemeClr val="tx1">
+                    <a:tint val="75000"/>
+                  </a:schemeClr>
+                </a:solidFill>
+              </a:defRPr>
+            </a:lvl2pPr>
+            <a:lvl3pPr marL="1187897" indent="0">
               <a:buNone/>
               <a:defRPr sz="2338">
                 <a:solidFill>
@@ -1342,30 +1360,10 @@
                   </a:schemeClr>
                 </a:solidFill>
               </a:defRPr>
-            </a:lvl1pPr>
-            <a:lvl2pPr marL="445450" indent="0">
-              <a:buNone/>
-              <a:defRPr sz="1949">
-                <a:solidFill>
-                  <a:schemeClr val="tx1">
-                    <a:tint val="75000"/>
-                  </a:schemeClr>
-                </a:solidFill>
-              </a:defRPr>
-            </a:lvl2pPr>
-            <a:lvl3pPr marL="890900" indent="0">
-              <a:buNone/>
-              <a:defRPr sz="1754">
-                <a:solidFill>
-                  <a:schemeClr val="tx1">
-                    <a:tint val="75000"/>
-                  </a:schemeClr>
-                </a:solidFill>
-              </a:defRPr>
             </a:lvl3pPr>
-            <a:lvl4pPr marL="1336350" indent="0">
-              <a:buNone/>
-              <a:defRPr sz="1559">
+            <a:lvl4pPr marL="1781846" indent="0">
+              <a:buNone/>
+              <a:defRPr sz="2079">
                 <a:solidFill>
                   <a:schemeClr val="tx1">
                     <a:tint val="75000"/>
@@ -1373,9 +1371,9 @@
                 </a:solidFill>
               </a:defRPr>
             </a:lvl4pPr>
-            <a:lvl5pPr marL="1781800" indent="0">
-              <a:buNone/>
-              <a:defRPr sz="1559">
+            <a:lvl5pPr marL="2375794" indent="0">
+              <a:buNone/>
+              <a:defRPr sz="2079">
                 <a:solidFill>
                   <a:schemeClr val="tx1">
                     <a:tint val="75000"/>
@@ -1383,9 +1381,9 @@
                 </a:solidFill>
               </a:defRPr>
             </a:lvl5pPr>
-            <a:lvl6pPr marL="2227250" indent="0">
-              <a:buNone/>
-              <a:defRPr sz="1559">
+            <a:lvl6pPr marL="2969743" indent="0">
+              <a:buNone/>
+              <a:defRPr sz="2079">
                 <a:solidFill>
                   <a:schemeClr val="tx1">
                     <a:tint val="75000"/>
@@ -1393,9 +1391,9 @@
                 </a:solidFill>
               </a:defRPr>
             </a:lvl6pPr>
-            <a:lvl7pPr marL="2672700" indent="0">
-              <a:buNone/>
-              <a:defRPr sz="1559">
+            <a:lvl7pPr marL="3563691" indent="0">
+              <a:buNone/>
+              <a:defRPr sz="2079">
                 <a:solidFill>
                   <a:schemeClr val="tx1">
                     <a:tint val="75000"/>
@@ -1403,9 +1401,9 @@
                 </a:solidFill>
               </a:defRPr>
             </a:lvl7pPr>
-            <a:lvl8pPr marL="3118150" indent="0">
-              <a:buNone/>
-              <a:defRPr sz="1559">
+            <a:lvl8pPr marL="4157640" indent="0">
+              <a:buNone/>
+              <a:defRPr sz="2079">
                 <a:solidFill>
                   <a:schemeClr val="tx1">
                     <a:tint val="75000"/>
@@ -1413,9 +1411,9 @@
                 </a:solidFill>
               </a:defRPr>
             </a:lvl8pPr>
-            <a:lvl9pPr marL="3563600" indent="0">
-              <a:buNone/>
-              <a:defRPr sz="1559">
+            <a:lvl9pPr marL="4751588" indent="0">
+              <a:buNone/>
+              <a:defRPr sz="2079">
                 <a:solidFill>
                   <a:schemeClr val="tx1">
                     <a:tint val="75000"/>
@@ -1450,7 +1448,7 @@
           <a:p>
             <a:fld id="{034EC1D1-0E05-47D0-B125-0ACF846A4397}" type="datetimeFigureOut">
               <a:rPr lang="en-US" smtClean="0"/>
-              <a:t>7/29/2016</a:t>
+              <a:t>8/8/2016</a:t>
             </a:fld>
             <a:endParaRPr lang="en-US"/>
           </a:p>
@@ -1501,7 +1499,7 @@
     </p:spTree>
     <p:extLst>
       <p:ext uri="{BB962C8B-B14F-4D97-AF65-F5344CB8AC3E}">
-        <p14:creationId xmlns:p14="http://schemas.microsoft.com/office/powerpoint/2010/main" val="242171348"/>
+        <p14:creationId xmlns:p14="http://schemas.microsoft.com/office/powerpoint/2010/main" val="597070519"/>
       </p:ext>
     </p:extLst>
   </p:cSld>
@@ -1563,8 +1561,8 @@
         </p:nvSpPr>
         <p:spPr>
           <a:xfrm>
-            <a:off x="816699" y="1916484"/>
-            <a:ext cx="5048687" cy="4567898"/>
+            <a:off x="816699" y="2491640"/>
+            <a:ext cx="5048687" cy="5938771"/>
           </a:xfrm>
         </p:spPr>
         <p:txBody>
@@ -1620,8 +1618,8 @@
         </p:nvSpPr>
         <p:spPr>
           <a:xfrm>
-            <a:off x="6013877" y="1916484"/>
-            <a:ext cx="5048687" cy="4567898"/>
+            <a:off x="6013877" y="2491640"/>
+            <a:ext cx="5048687" cy="5938771"/>
           </a:xfrm>
         </p:spPr>
         <p:txBody>
@@ -1682,7 +1680,7 @@
           <a:p>
             <a:fld id="{034EC1D1-0E05-47D0-B125-0ACF846A4397}" type="datetimeFigureOut">
               <a:rPr lang="en-US" smtClean="0"/>
-              <a:t>7/29/2016</a:t>
+              <a:t>8/8/2016</a:t>
             </a:fld>
             <a:endParaRPr lang="en-US"/>
           </a:p>
@@ -1733,7 +1731,7 @@
     </p:spTree>
     <p:extLst>
       <p:ext uri="{BB962C8B-B14F-4D97-AF65-F5344CB8AC3E}">
-        <p14:creationId xmlns:p14="http://schemas.microsoft.com/office/powerpoint/2010/main" val="346037606"/>
+        <p14:creationId xmlns:p14="http://schemas.microsoft.com/office/powerpoint/2010/main" val="1776867697"/>
       </p:ext>
     </p:extLst>
   </p:cSld>
@@ -1772,8 +1770,8 @@
         </p:nvSpPr>
         <p:spPr>
           <a:xfrm>
-            <a:off x="818247" y="383297"/>
-            <a:ext cx="10245864" cy="1391534"/>
+            <a:off x="818247" y="498330"/>
+            <a:ext cx="10245864" cy="1809148"/>
           </a:xfrm>
         </p:spPr>
         <p:txBody>
@@ -1800,8 +1798,8 @@
         </p:nvSpPr>
         <p:spPr>
           <a:xfrm>
-            <a:off x="818247" y="1764832"/>
-            <a:ext cx="5025485" cy="864917"/>
+            <a:off x="818248" y="2294476"/>
+            <a:ext cx="5025484" cy="1124487"/>
           </a:xfrm>
         </p:spPr>
         <p:txBody>
@@ -1809,39 +1807,39 @@
           <a:lstStyle>
             <a:lvl1pPr marL="0" indent="0">
               <a:buNone/>
+              <a:defRPr sz="3118" b="1"/>
+            </a:lvl1pPr>
+            <a:lvl2pPr marL="593949" indent="0">
+              <a:buNone/>
+              <a:defRPr sz="2598" b="1"/>
+            </a:lvl2pPr>
+            <a:lvl3pPr marL="1187897" indent="0">
+              <a:buNone/>
               <a:defRPr sz="2338" b="1"/>
-            </a:lvl1pPr>
-            <a:lvl2pPr marL="445450" indent="0">
-              <a:buNone/>
-              <a:defRPr sz="1949" b="1"/>
-            </a:lvl2pPr>
-            <a:lvl3pPr marL="890900" indent="0">
-              <a:buNone/>
-              <a:defRPr sz="1754" b="1"/>
             </a:lvl3pPr>
-            <a:lvl4pPr marL="1336350" indent="0">
-              <a:buNone/>
-              <a:defRPr sz="1559" b="1"/>
+            <a:lvl4pPr marL="1781846" indent="0">
+              <a:buNone/>
+              <a:defRPr sz="2079" b="1"/>
             </a:lvl4pPr>
-            <a:lvl5pPr marL="1781800" indent="0">
-              <a:buNone/>
-              <a:defRPr sz="1559" b="1"/>
+            <a:lvl5pPr marL="2375794" indent="0">
+              <a:buNone/>
+              <a:defRPr sz="2079" b="1"/>
             </a:lvl5pPr>
-            <a:lvl6pPr marL="2227250" indent="0">
-              <a:buNone/>
-              <a:defRPr sz="1559" b="1"/>
+            <a:lvl6pPr marL="2969743" indent="0">
+              <a:buNone/>
+              <a:defRPr sz="2079" b="1"/>
             </a:lvl6pPr>
-            <a:lvl7pPr marL="2672700" indent="0">
-              <a:buNone/>
-              <a:defRPr sz="1559" b="1"/>
+            <a:lvl7pPr marL="3563691" indent="0">
+              <a:buNone/>
+              <a:defRPr sz="2079" b="1"/>
             </a:lvl7pPr>
-            <a:lvl8pPr marL="3118150" indent="0">
-              <a:buNone/>
-              <a:defRPr sz="1559" b="1"/>
+            <a:lvl8pPr marL="4157640" indent="0">
+              <a:buNone/>
+              <a:defRPr sz="2079" b="1"/>
             </a:lvl8pPr>
-            <a:lvl9pPr marL="3563600" indent="0">
-              <a:buNone/>
-              <a:defRPr sz="1559" b="1"/>
+            <a:lvl9pPr marL="4751588" indent="0">
+              <a:buNone/>
+              <a:defRPr sz="2079" b="1"/>
             </a:lvl9pPr>
           </a:lstStyle>
           <a:p>
@@ -1865,8 +1863,8 @@
         </p:nvSpPr>
         <p:spPr>
           <a:xfrm>
-            <a:off x="818247" y="2629749"/>
-            <a:ext cx="5025485" cy="3867965"/>
+            <a:off x="818248" y="3418964"/>
+            <a:ext cx="5025484" cy="5028780"/>
           </a:xfrm>
         </p:spPr>
         <p:txBody>
@@ -1922,8 +1920,8 @@
         </p:nvSpPr>
         <p:spPr>
           <a:xfrm>
-            <a:off x="6013877" y="1764832"/>
-            <a:ext cx="5050234" cy="864917"/>
+            <a:off x="6013878" y="2294476"/>
+            <a:ext cx="5050234" cy="1124487"/>
           </a:xfrm>
         </p:spPr>
         <p:txBody>
@@ -1931,39 +1929,39 @@
           <a:lstStyle>
             <a:lvl1pPr marL="0" indent="0">
               <a:buNone/>
+              <a:defRPr sz="3118" b="1"/>
+            </a:lvl1pPr>
+            <a:lvl2pPr marL="593949" indent="0">
+              <a:buNone/>
+              <a:defRPr sz="2598" b="1"/>
+            </a:lvl2pPr>
+            <a:lvl3pPr marL="1187897" indent="0">
+              <a:buNone/>
               <a:defRPr sz="2338" b="1"/>
-            </a:lvl1pPr>
-            <a:lvl2pPr marL="445450" indent="0">
-              <a:buNone/>
-              <a:defRPr sz="1949" b="1"/>
-            </a:lvl2pPr>
-            <a:lvl3pPr marL="890900" indent="0">
-              <a:buNone/>
-              <a:defRPr sz="1754" b="1"/>
             </a:lvl3pPr>
-            <a:lvl4pPr marL="1336350" indent="0">
-              <a:buNone/>
-              <a:defRPr sz="1559" b="1"/>
+            <a:lvl4pPr marL="1781846" indent="0">
+              <a:buNone/>
+              <a:defRPr sz="2079" b="1"/>
             </a:lvl4pPr>
-            <a:lvl5pPr marL="1781800" indent="0">
-              <a:buNone/>
-              <a:defRPr sz="1559" b="1"/>
+            <a:lvl5pPr marL="2375794" indent="0">
+              <a:buNone/>
+              <a:defRPr sz="2079" b="1"/>
             </a:lvl5pPr>
-            <a:lvl6pPr marL="2227250" indent="0">
-              <a:buNone/>
-              <a:defRPr sz="1559" b="1"/>
+            <a:lvl6pPr marL="2969743" indent="0">
+              <a:buNone/>
+              <a:defRPr sz="2079" b="1"/>
             </a:lvl6pPr>
-            <a:lvl7pPr marL="2672700" indent="0">
-              <a:buNone/>
-              <a:defRPr sz="1559" b="1"/>
+            <a:lvl7pPr marL="3563691" indent="0">
+              <a:buNone/>
+              <a:defRPr sz="2079" b="1"/>
             </a:lvl7pPr>
-            <a:lvl8pPr marL="3118150" indent="0">
-              <a:buNone/>
-              <a:defRPr sz="1559" b="1"/>
+            <a:lvl8pPr marL="4157640" indent="0">
+              <a:buNone/>
+              <a:defRPr sz="2079" b="1"/>
             </a:lvl8pPr>
-            <a:lvl9pPr marL="3563600" indent="0">
-              <a:buNone/>
-              <a:defRPr sz="1559" b="1"/>
+            <a:lvl9pPr marL="4751588" indent="0">
+              <a:buNone/>
+              <a:defRPr sz="2079" b="1"/>
             </a:lvl9pPr>
           </a:lstStyle>
           <a:p>
@@ -1987,8 +1985,8 @@
         </p:nvSpPr>
         <p:spPr>
           <a:xfrm>
-            <a:off x="6013877" y="2629749"/>
-            <a:ext cx="5050234" cy="3867965"/>
+            <a:off x="6013878" y="3418964"/>
+            <a:ext cx="5050234" cy="5028780"/>
           </a:xfrm>
         </p:spPr>
         <p:txBody>
@@ -2049,7 +2047,7 @@
           <a:p>
             <a:fld id="{034EC1D1-0E05-47D0-B125-0ACF846A4397}" type="datetimeFigureOut">
               <a:rPr lang="en-US" smtClean="0"/>
-              <a:t>7/29/2016</a:t>
+              <a:t>8/8/2016</a:t>
             </a:fld>
             <a:endParaRPr lang="en-US"/>
           </a:p>
@@ -2100,7 +2098,7 @@
     </p:spTree>
     <p:extLst>
       <p:ext uri="{BB962C8B-B14F-4D97-AF65-F5344CB8AC3E}">
-        <p14:creationId xmlns:p14="http://schemas.microsoft.com/office/powerpoint/2010/main" val="2219980036"/>
+        <p14:creationId xmlns:p14="http://schemas.microsoft.com/office/powerpoint/2010/main" val="739901876"/>
       </p:ext>
     </p:extLst>
   </p:cSld>
@@ -2167,7 +2165,7 @@
           <a:p>
             <a:fld id="{034EC1D1-0E05-47D0-B125-0ACF846A4397}" type="datetimeFigureOut">
               <a:rPr lang="en-US" smtClean="0"/>
-              <a:t>7/29/2016</a:t>
+              <a:t>8/8/2016</a:t>
             </a:fld>
             <a:endParaRPr lang="en-US"/>
           </a:p>
@@ -2218,7 +2216,7 @@
     </p:spTree>
     <p:extLst>
       <p:ext uri="{BB962C8B-B14F-4D97-AF65-F5344CB8AC3E}">
-        <p14:creationId xmlns:p14="http://schemas.microsoft.com/office/powerpoint/2010/main" val="3687689191"/>
+        <p14:creationId xmlns:p14="http://schemas.microsoft.com/office/powerpoint/2010/main" val="3681599109"/>
       </p:ext>
     </p:extLst>
   </p:cSld>
@@ -2262,7 +2260,7 @@
           <a:p>
             <a:fld id="{034EC1D1-0E05-47D0-B125-0ACF846A4397}" type="datetimeFigureOut">
               <a:rPr lang="en-US" smtClean="0"/>
-              <a:t>7/29/2016</a:t>
+              <a:t>8/8/2016</a:t>
             </a:fld>
             <a:endParaRPr lang="en-US"/>
           </a:p>
@@ -2313,7 +2311,7 @@
     </p:spTree>
     <p:extLst>
       <p:ext uri="{BB962C8B-B14F-4D97-AF65-F5344CB8AC3E}">
-        <p14:creationId xmlns:p14="http://schemas.microsoft.com/office/powerpoint/2010/main" val="4204204163"/>
+        <p14:creationId xmlns:p14="http://schemas.microsoft.com/office/powerpoint/2010/main" val="1831050224"/>
       </p:ext>
     </p:extLst>
   </p:cSld>
@@ -2352,15 +2350,15 @@
         </p:nvSpPr>
         <p:spPr>
           <a:xfrm>
-            <a:off x="818247" y="479954"/>
-            <a:ext cx="3831371" cy="1679840"/>
+            <a:off x="818246" y="623993"/>
+            <a:ext cx="3831372" cy="2183977"/>
           </a:xfrm>
         </p:spPr>
         <p:txBody>
           <a:bodyPr anchor="b"/>
           <a:lstStyle>
             <a:lvl1pPr>
-              <a:defRPr sz="3118"/>
+              <a:defRPr sz="4157"/>
             </a:lvl1pPr>
           </a:lstStyle>
           <a:p>
@@ -2384,39 +2382,39 @@
         </p:nvSpPr>
         <p:spPr>
           <a:xfrm>
-            <a:off x="5050234" y="1036569"/>
-            <a:ext cx="6013877" cy="5116178"/>
+            <a:off x="5050234" y="1347654"/>
+            <a:ext cx="6013877" cy="6651596"/>
           </a:xfrm>
         </p:spPr>
         <p:txBody>
           <a:bodyPr/>
           <a:lstStyle>
             <a:lvl1pPr>
-              <a:defRPr sz="3118"/>
+              <a:defRPr sz="4157"/>
             </a:lvl1pPr>
             <a:lvl2pPr>
-              <a:defRPr sz="2728"/>
+              <a:defRPr sz="3637"/>
             </a:lvl2pPr>
             <a:lvl3pPr>
-              <a:defRPr sz="2338"/>
+              <a:defRPr sz="3118"/>
             </a:lvl3pPr>
             <a:lvl4pPr>
-              <a:defRPr sz="1949"/>
+              <a:defRPr sz="2598"/>
             </a:lvl4pPr>
             <a:lvl5pPr>
-              <a:defRPr sz="1949"/>
+              <a:defRPr sz="2598"/>
             </a:lvl5pPr>
             <a:lvl6pPr>
-              <a:defRPr sz="1949"/>
+              <a:defRPr sz="2598"/>
             </a:lvl6pPr>
             <a:lvl7pPr>
-              <a:defRPr sz="1949"/>
+              <a:defRPr sz="2598"/>
             </a:lvl7pPr>
             <a:lvl8pPr>
-              <a:defRPr sz="1949"/>
+              <a:defRPr sz="2598"/>
             </a:lvl8pPr>
             <a:lvl9pPr>
-              <a:defRPr sz="1949"/>
+              <a:defRPr sz="2598"/>
             </a:lvl9pPr>
           </a:lstStyle>
           <a:p>
@@ -2469,8 +2467,8 @@
         </p:nvSpPr>
         <p:spPr>
           <a:xfrm>
-            <a:off x="818247" y="2159794"/>
-            <a:ext cx="3831371" cy="4001285"/>
+            <a:off x="818246" y="2807970"/>
+            <a:ext cx="3831372" cy="5202112"/>
           </a:xfrm>
         </p:spPr>
         <p:txBody>
@@ -2478,39 +2476,39 @@
           <a:lstStyle>
             <a:lvl1pPr marL="0" indent="0">
               <a:buNone/>
+              <a:defRPr sz="2079"/>
+            </a:lvl1pPr>
+            <a:lvl2pPr marL="593949" indent="0">
+              <a:buNone/>
+              <a:defRPr sz="1819"/>
+            </a:lvl2pPr>
+            <a:lvl3pPr marL="1187897" indent="0">
+              <a:buNone/>
               <a:defRPr sz="1559"/>
-            </a:lvl1pPr>
-            <a:lvl2pPr marL="445450" indent="0">
-              <a:buNone/>
-              <a:defRPr sz="1364"/>
-            </a:lvl2pPr>
-            <a:lvl3pPr marL="890900" indent="0">
-              <a:buNone/>
-              <a:defRPr sz="1169"/>
             </a:lvl3pPr>
-            <a:lvl4pPr marL="1336350" indent="0">
-              <a:buNone/>
-              <a:defRPr sz="974"/>
+            <a:lvl4pPr marL="1781846" indent="0">
+              <a:buNone/>
+              <a:defRPr sz="1299"/>
             </a:lvl4pPr>
-            <a:lvl5pPr marL="1781800" indent="0">
-              <a:buNone/>
-              <a:defRPr sz="974"/>
+            <a:lvl5pPr marL="2375794" indent="0">
+              <a:buNone/>
+              <a:defRPr sz="1299"/>
             </a:lvl5pPr>
-            <a:lvl6pPr marL="2227250" indent="0">
-              <a:buNone/>
-              <a:defRPr sz="974"/>
+            <a:lvl6pPr marL="2969743" indent="0">
+              <a:buNone/>
+              <a:defRPr sz="1299"/>
             </a:lvl6pPr>
-            <a:lvl7pPr marL="2672700" indent="0">
-              <a:buNone/>
-              <a:defRPr sz="974"/>
+            <a:lvl7pPr marL="3563691" indent="0">
+              <a:buNone/>
+              <a:defRPr sz="1299"/>
             </a:lvl7pPr>
-            <a:lvl8pPr marL="3118150" indent="0">
-              <a:buNone/>
-              <a:defRPr sz="974"/>
+            <a:lvl8pPr marL="4157640" indent="0">
+              <a:buNone/>
+              <a:defRPr sz="1299"/>
             </a:lvl8pPr>
-            <a:lvl9pPr marL="3563600" indent="0">
-              <a:buNone/>
-              <a:defRPr sz="974"/>
+            <a:lvl9pPr marL="4751588" indent="0">
+              <a:buNone/>
+              <a:defRPr sz="1299"/>
             </a:lvl9pPr>
           </a:lstStyle>
           <a:p>
@@ -2539,7 +2537,7 @@
           <a:p>
             <a:fld id="{034EC1D1-0E05-47D0-B125-0ACF846A4397}" type="datetimeFigureOut">
               <a:rPr lang="en-US" smtClean="0"/>
-              <a:t>7/29/2016</a:t>
+              <a:t>8/8/2016</a:t>
             </a:fld>
             <a:endParaRPr lang="en-US"/>
           </a:p>
@@ -2590,7 +2588,7 @@
     </p:spTree>
     <p:extLst>
       <p:ext uri="{BB962C8B-B14F-4D97-AF65-F5344CB8AC3E}">
-        <p14:creationId xmlns:p14="http://schemas.microsoft.com/office/powerpoint/2010/main" val="60428004"/>
+        <p14:creationId xmlns:p14="http://schemas.microsoft.com/office/powerpoint/2010/main" val="2994405213"/>
       </p:ext>
     </p:extLst>
   </p:cSld>
@@ -2629,15 +2627,15 @@
         </p:nvSpPr>
         <p:spPr>
           <a:xfrm>
-            <a:off x="818247" y="479954"/>
-            <a:ext cx="3831371" cy="1679840"/>
+            <a:off x="818246" y="623993"/>
+            <a:ext cx="3831372" cy="2183977"/>
           </a:xfrm>
         </p:spPr>
         <p:txBody>
           <a:bodyPr anchor="b"/>
           <a:lstStyle>
             <a:lvl1pPr>
-              <a:defRPr sz="3118"/>
+              <a:defRPr sz="4157"/>
             </a:lvl1pPr>
           </a:lstStyle>
           <a:p>
@@ -2661,8 +2659,8 @@
         </p:nvSpPr>
         <p:spPr>
           <a:xfrm>
-            <a:off x="5050234" y="1036569"/>
-            <a:ext cx="6013877" cy="5116178"/>
+            <a:off x="5050234" y="1347654"/>
+            <a:ext cx="6013877" cy="6651596"/>
           </a:xfrm>
         </p:spPr>
         <p:txBody>
@@ -2670,39 +2668,39 @@
           <a:lstStyle>
             <a:lvl1pPr marL="0" indent="0">
               <a:buNone/>
+              <a:defRPr sz="4157"/>
+            </a:lvl1pPr>
+            <a:lvl2pPr marL="593949" indent="0">
+              <a:buNone/>
+              <a:defRPr sz="3637"/>
+            </a:lvl2pPr>
+            <a:lvl3pPr marL="1187897" indent="0">
+              <a:buNone/>
               <a:defRPr sz="3118"/>
-            </a:lvl1pPr>
-            <a:lvl2pPr marL="445450" indent="0">
-              <a:buNone/>
-              <a:defRPr sz="2728"/>
-            </a:lvl2pPr>
-            <a:lvl3pPr marL="890900" indent="0">
-              <a:buNone/>
-              <a:defRPr sz="2338"/>
             </a:lvl3pPr>
-            <a:lvl4pPr marL="1336350" indent="0">
-              <a:buNone/>
-              <a:defRPr sz="1949"/>
+            <a:lvl4pPr marL="1781846" indent="0">
+              <a:buNone/>
+              <a:defRPr sz="2598"/>
             </a:lvl4pPr>
-            <a:lvl5pPr marL="1781800" indent="0">
-              <a:buNone/>
-              <a:defRPr sz="1949"/>
+            <a:lvl5pPr marL="2375794" indent="0">
+              <a:buNone/>
+              <a:defRPr sz="2598"/>
             </a:lvl5pPr>
-            <a:lvl6pPr marL="2227250" indent="0">
-              <a:buNone/>
-              <a:defRPr sz="1949"/>
+            <a:lvl6pPr marL="2969743" indent="0">
+              <a:buNone/>
+              <a:defRPr sz="2598"/>
             </a:lvl6pPr>
-            <a:lvl7pPr marL="2672700" indent="0">
-              <a:buNone/>
-              <a:defRPr sz="1949"/>
+            <a:lvl7pPr marL="3563691" indent="0">
+              <a:buNone/>
+              <a:defRPr sz="2598"/>
             </a:lvl7pPr>
-            <a:lvl8pPr marL="3118150" indent="0">
-              <a:buNone/>
-              <a:defRPr sz="1949"/>
+            <a:lvl8pPr marL="4157640" indent="0">
+              <a:buNone/>
+              <a:defRPr sz="2598"/>
             </a:lvl8pPr>
-            <a:lvl9pPr marL="3563600" indent="0">
-              <a:buNone/>
-              <a:defRPr sz="1949"/>
+            <a:lvl9pPr marL="4751588" indent="0">
+              <a:buNone/>
+              <a:defRPr sz="2598"/>
             </a:lvl9pPr>
           </a:lstStyle>
           <a:p>
@@ -2726,8 +2724,8 @@
         </p:nvSpPr>
         <p:spPr>
           <a:xfrm>
-            <a:off x="818247" y="2159794"/>
-            <a:ext cx="3831371" cy="4001285"/>
+            <a:off x="818246" y="2807970"/>
+            <a:ext cx="3831372" cy="5202112"/>
           </a:xfrm>
         </p:spPr>
         <p:txBody>
@@ -2735,39 +2733,39 @@
           <a:lstStyle>
             <a:lvl1pPr marL="0" indent="0">
               <a:buNone/>
+              <a:defRPr sz="2079"/>
+            </a:lvl1pPr>
+            <a:lvl2pPr marL="593949" indent="0">
+              <a:buNone/>
+              <a:defRPr sz="1819"/>
+            </a:lvl2pPr>
+            <a:lvl3pPr marL="1187897" indent="0">
+              <a:buNone/>
               <a:defRPr sz="1559"/>
-            </a:lvl1pPr>
-            <a:lvl2pPr marL="445450" indent="0">
-              <a:buNone/>
-              <a:defRPr sz="1364"/>
-            </a:lvl2pPr>
-            <a:lvl3pPr marL="890900" indent="0">
-              <a:buNone/>
-              <a:defRPr sz="1169"/>
             </a:lvl3pPr>
-            <a:lvl4pPr marL="1336350" indent="0">
-              <a:buNone/>
-              <a:defRPr sz="974"/>
+            <a:lvl4pPr marL="1781846" indent="0">
+              <a:buNone/>
+              <a:defRPr sz="1299"/>
             </a:lvl4pPr>
-            <a:lvl5pPr marL="1781800" indent="0">
-              <a:buNone/>
-              <a:defRPr sz="974"/>
+            <a:lvl5pPr marL="2375794" indent="0">
+              <a:buNone/>
+              <a:defRPr sz="1299"/>
             </a:lvl5pPr>
-            <a:lvl6pPr marL="2227250" indent="0">
-              <a:buNone/>
-              <a:defRPr sz="974"/>
+            <a:lvl6pPr marL="2969743" indent="0">
+              <a:buNone/>
+              <a:defRPr sz="1299"/>
             </a:lvl6pPr>
-            <a:lvl7pPr marL="2672700" indent="0">
-              <a:buNone/>
-              <a:defRPr sz="974"/>
+            <a:lvl7pPr marL="3563691" indent="0">
+              <a:buNone/>
+              <a:defRPr sz="1299"/>
             </a:lvl7pPr>
-            <a:lvl8pPr marL="3118150" indent="0">
-              <a:buNone/>
-              <a:defRPr sz="974"/>
+            <a:lvl8pPr marL="4157640" indent="0">
+              <a:buNone/>
+              <a:defRPr sz="1299"/>
             </a:lvl8pPr>
-            <a:lvl9pPr marL="3563600" indent="0">
-              <a:buNone/>
-              <a:defRPr sz="974"/>
+            <a:lvl9pPr marL="4751588" indent="0">
+              <a:buNone/>
+              <a:defRPr sz="1299"/>
             </a:lvl9pPr>
           </a:lstStyle>
           <a:p>
@@ -2796,7 +2794,7 @@
           <a:p>
             <a:fld id="{034EC1D1-0E05-47D0-B125-0ACF846A4397}" type="datetimeFigureOut">
               <a:rPr lang="en-US" smtClean="0"/>
-              <a:t>7/29/2016</a:t>
+              <a:t>8/8/2016</a:t>
             </a:fld>
             <a:endParaRPr lang="en-US"/>
           </a:p>
@@ -2847,7 +2845,7 @@
     </p:spTree>
     <p:extLst>
       <p:ext uri="{BB962C8B-B14F-4D97-AF65-F5344CB8AC3E}">
-        <p14:creationId xmlns:p14="http://schemas.microsoft.com/office/powerpoint/2010/main" val="1848189282"/>
+        <p14:creationId xmlns:p14="http://schemas.microsoft.com/office/powerpoint/2010/main" val="374090612"/>
       </p:ext>
     </p:extLst>
   </p:cSld>
@@ -2891,8 +2889,8 @@
         </p:nvSpPr>
         <p:spPr>
           <a:xfrm>
-            <a:off x="816700" y="383297"/>
-            <a:ext cx="10245864" cy="1391534"/>
+            <a:off x="816700" y="498330"/>
+            <a:ext cx="10245864" cy="1809148"/>
           </a:xfrm>
           <a:prstGeom prst="rect">
             <a:avLst/>
@@ -2924,8 +2922,8 @@
         </p:nvSpPr>
         <p:spPr>
           <a:xfrm>
-            <a:off x="816700" y="1916484"/>
-            <a:ext cx="10245864" cy="4567898"/>
+            <a:off x="816700" y="2491640"/>
+            <a:ext cx="10245864" cy="5938771"/>
           </a:xfrm>
           <a:prstGeom prst="rect">
             <a:avLst/>
@@ -2986,8 +2984,8 @@
         </p:nvSpPr>
         <p:spPr>
           <a:xfrm>
-            <a:off x="816699" y="6672697"/>
-            <a:ext cx="2672834" cy="383297"/>
+            <a:off x="816699" y="8675243"/>
+            <a:ext cx="2672834" cy="498328"/>
           </a:xfrm>
           <a:prstGeom prst="rect">
             <a:avLst/>
@@ -2997,7 +2995,7 @@
           <a:bodyPr vert="horz" lIns="91440" tIns="45720" rIns="91440" bIns="45720" rtlCol="0" anchor="ctr"/>
           <a:lstStyle>
             <a:lvl1pPr algn="l">
-              <a:defRPr sz="1169">
+              <a:defRPr sz="1559">
                 <a:solidFill>
                   <a:schemeClr val="tx1">
                     <a:tint val="75000"/>
@@ -3009,7 +3007,7 @@
           <a:p>
             <a:fld id="{034EC1D1-0E05-47D0-B125-0ACF846A4397}" type="datetimeFigureOut">
               <a:rPr lang="en-US" smtClean="0"/>
-              <a:t>7/29/2016</a:t>
+              <a:t>8/8/2016</a:t>
             </a:fld>
             <a:endParaRPr lang="en-US"/>
           </a:p>
@@ -3027,8 +3025,8 @@
         </p:nvSpPr>
         <p:spPr>
           <a:xfrm>
-            <a:off x="3935006" y="6672697"/>
-            <a:ext cx="4009251" cy="383297"/>
+            <a:off x="3935006" y="8675243"/>
+            <a:ext cx="4009251" cy="498328"/>
           </a:xfrm>
           <a:prstGeom prst="rect">
             <a:avLst/>
@@ -3038,7 +3036,7 @@
           <a:bodyPr vert="horz" lIns="91440" tIns="45720" rIns="91440" bIns="45720" rtlCol="0" anchor="ctr"/>
           <a:lstStyle>
             <a:lvl1pPr algn="ctr">
-              <a:defRPr sz="1169">
+              <a:defRPr sz="1559">
                 <a:solidFill>
                   <a:schemeClr val="tx1">
                     <a:tint val="75000"/>
@@ -3064,8 +3062,8 @@
         </p:nvSpPr>
         <p:spPr>
           <a:xfrm>
-            <a:off x="8389730" y="6672697"/>
-            <a:ext cx="2672834" cy="383297"/>
+            <a:off x="8389730" y="8675243"/>
+            <a:ext cx="2672834" cy="498328"/>
           </a:xfrm>
           <a:prstGeom prst="rect">
             <a:avLst/>
@@ -3075,7 +3073,7 @@
           <a:bodyPr vert="horz" lIns="91440" tIns="45720" rIns="91440" bIns="45720" rtlCol="0" anchor="ctr"/>
           <a:lstStyle>
             <a:lvl1pPr algn="r">
-              <a:defRPr sz="1169">
+              <a:defRPr sz="1559">
                 <a:solidFill>
                   <a:schemeClr val="tx1">
                     <a:tint val="75000"/>
@@ -3096,27 +3094,27 @@
     </p:spTree>
     <p:extLst>
       <p:ext uri="{BB962C8B-B14F-4D97-AF65-F5344CB8AC3E}">
-        <p14:creationId xmlns:p14="http://schemas.microsoft.com/office/powerpoint/2010/main" val="417497512"/>
+        <p14:creationId xmlns:p14="http://schemas.microsoft.com/office/powerpoint/2010/main" val="2524058387"/>
       </p:ext>
     </p:extLst>
   </p:cSld>
   <p:clrMap bg1="lt1" tx1="dk1" bg2="lt2" tx2="dk2" accent1="accent1" accent2="accent2" accent3="accent3" accent4="accent4" accent5="accent5" accent6="accent6" hlink="hlink" folHlink="folHlink"/>
   <p:sldLayoutIdLst>
-    <p:sldLayoutId id="2147483781" r:id="rId1"/>
-    <p:sldLayoutId id="2147483782" r:id="rId2"/>
-    <p:sldLayoutId id="2147483783" r:id="rId3"/>
-    <p:sldLayoutId id="2147483784" r:id="rId4"/>
-    <p:sldLayoutId id="2147483785" r:id="rId5"/>
-    <p:sldLayoutId id="2147483786" r:id="rId6"/>
-    <p:sldLayoutId id="2147483787" r:id="rId7"/>
-    <p:sldLayoutId id="2147483788" r:id="rId8"/>
-    <p:sldLayoutId id="2147483789" r:id="rId9"/>
-    <p:sldLayoutId id="2147483790" r:id="rId10"/>
-    <p:sldLayoutId id="2147483791" r:id="rId11"/>
+    <p:sldLayoutId id="2147483805" r:id="rId1"/>
+    <p:sldLayoutId id="2147483806" r:id="rId2"/>
+    <p:sldLayoutId id="2147483807" r:id="rId3"/>
+    <p:sldLayoutId id="2147483808" r:id="rId4"/>
+    <p:sldLayoutId id="2147483809" r:id="rId5"/>
+    <p:sldLayoutId id="2147483810" r:id="rId6"/>
+    <p:sldLayoutId id="2147483811" r:id="rId7"/>
+    <p:sldLayoutId id="2147483812" r:id="rId8"/>
+    <p:sldLayoutId id="2147483813" r:id="rId9"/>
+    <p:sldLayoutId id="2147483814" r:id="rId10"/>
+    <p:sldLayoutId id="2147483815" r:id="rId11"/>
   </p:sldLayoutIdLst>
   <p:txStyles>
     <p:titleStyle>
-      <a:lvl1pPr algn="l" defTabSz="890900" rtl="0" eaLnBrk="1" latinLnBrk="0" hangingPunct="1">
+      <a:lvl1pPr algn="l" defTabSz="1187897" rtl="0" eaLnBrk="1" latinLnBrk="0" hangingPunct="1">
         <a:lnSpc>
           <a:spcPct val="90000"/>
         </a:lnSpc>
@@ -3124,7 +3122,7 @@
           <a:spcPct val="0"/>
         </a:spcBef>
         <a:buNone/>
-        <a:defRPr sz="4287" kern="1200">
+        <a:defRPr sz="5716" kern="1200">
           <a:solidFill>
             <a:schemeClr val="tx1"/>
           </a:solidFill>
@@ -3135,16 +3133,16 @@
       </a:lvl1pPr>
     </p:titleStyle>
     <p:bodyStyle>
-      <a:lvl1pPr marL="222725" indent="-222725" algn="l" defTabSz="890900" rtl="0" eaLnBrk="1" latinLnBrk="0" hangingPunct="1">
+      <a:lvl1pPr marL="296974" indent="-296974" algn="l" defTabSz="1187897" rtl="0" eaLnBrk="1" latinLnBrk="0" hangingPunct="1">
         <a:lnSpc>
           <a:spcPct val="90000"/>
         </a:lnSpc>
         <a:spcBef>
-          <a:spcPts val="974"/>
+          <a:spcPts val="1299"/>
         </a:spcBef>
         <a:buFont typeface="Arial" panose="020B0604020202020204" pitchFamily="34" charset="0"/>
         <a:buChar char="•"/>
-        <a:defRPr sz="2728" kern="1200">
+        <a:defRPr sz="3637" kern="1200">
           <a:solidFill>
             <a:schemeClr val="tx1"/>
           </a:solidFill>
@@ -3153,12 +3151,48 @@
           <a:cs typeface="+mn-cs"/>
         </a:defRPr>
       </a:lvl1pPr>
-      <a:lvl2pPr marL="668175" indent="-222725" algn="l" defTabSz="890900" rtl="0" eaLnBrk="1" latinLnBrk="0" hangingPunct="1">
+      <a:lvl2pPr marL="890923" indent="-296974" algn="l" defTabSz="1187897" rtl="0" eaLnBrk="1" latinLnBrk="0" hangingPunct="1">
         <a:lnSpc>
           <a:spcPct val="90000"/>
         </a:lnSpc>
         <a:spcBef>
-          <a:spcPts val="487"/>
+          <a:spcPts val="650"/>
+        </a:spcBef>
+        <a:buFont typeface="Arial" panose="020B0604020202020204" pitchFamily="34" charset="0"/>
+        <a:buChar char="•"/>
+        <a:defRPr sz="3118" kern="1200">
+          <a:solidFill>
+            <a:schemeClr val="tx1"/>
+          </a:solidFill>
+          <a:latin typeface="+mn-lt"/>
+          <a:ea typeface="+mn-ea"/>
+          <a:cs typeface="+mn-cs"/>
+        </a:defRPr>
+      </a:lvl2pPr>
+      <a:lvl3pPr marL="1484871" indent="-296974" algn="l" defTabSz="1187897" rtl="0" eaLnBrk="1" latinLnBrk="0" hangingPunct="1">
+        <a:lnSpc>
+          <a:spcPct val="90000"/>
+        </a:lnSpc>
+        <a:spcBef>
+          <a:spcPts val="650"/>
+        </a:spcBef>
+        <a:buFont typeface="Arial" panose="020B0604020202020204" pitchFamily="34" charset="0"/>
+        <a:buChar char="•"/>
+        <a:defRPr sz="2598" kern="1200">
+          <a:solidFill>
+            <a:schemeClr val="tx1"/>
+          </a:solidFill>
+          <a:latin typeface="+mn-lt"/>
+          <a:ea typeface="+mn-ea"/>
+          <a:cs typeface="+mn-cs"/>
+        </a:defRPr>
+      </a:lvl3pPr>
+      <a:lvl4pPr marL="2078820" indent="-296974" algn="l" defTabSz="1187897" rtl="0" eaLnBrk="1" latinLnBrk="0" hangingPunct="1">
+        <a:lnSpc>
+          <a:spcPct val="90000"/>
+        </a:lnSpc>
+        <a:spcBef>
+          <a:spcPts val="650"/>
         </a:spcBef>
         <a:buFont typeface="Arial" panose="020B0604020202020204" pitchFamily="34" charset="0"/>
         <a:buChar char="•"/>
@@ -3170,53 +3204,17 @@
           <a:ea typeface="+mn-ea"/>
           <a:cs typeface="+mn-cs"/>
         </a:defRPr>
-      </a:lvl2pPr>
-      <a:lvl3pPr marL="1113625" indent="-222725" algn="l" defTabSz="890900" rtl="0" eaLnBrk="1" latinLnBrk="0" hangingPunct="1">
+      </a:lvl4pPr>
+      <a:lvl5pPr marL="2672768" indent="-296974" algn="l" defTabSz="1187897" rtl="0" eaLnBrk="1" latinLnBrk="0" hangingPunct="1">
         <a:lnSpc>
           <a:spcPct val="90000"/>
         </a:lnSpc>
         <a:spcBef>
-          <a:spcPts val="487"/>
+          <a:spcPts val="650"/>
         </a:spcBef>
         <a:buFont typeface="Arial" panose="020B0604020202020204" pitchFamily="34" charset="0"/>
         <a:buChar char="•"/>
-        <a:defRPr sz="1949" kern="1200">
-          <a:solidFill>
-            <a:schemeClr val="tx1"/>
-          </a:solidFill>
-          <a:latin typeface="+mn-lt"/>
-          <a:ea typeface="+mn-ea"/>
-          <a:cs typeface="+mn-cs"/>
-        </a:defRPr>
-      </a:lvl3pPr>
-      <a:lvl4pPr marL="1559075" indent="-222725" algn="l" defTabSz="890900" rtl="0" eaLnBrk="1" latinLnBrk="0" hangingPunct="1">
-        <a:lnSpc>
-          <a:spcPct val="90000"/>
-        </a:lnSpc>
-        <a:spcBef>
-          <a:spcPts val="487"/>
-        </a:spcBef>
-        <a:buFont typeface="Arial" panose="020B0604020202020204" pitchFamily="34" charset="0"/>
-        <a:buChar char="•"/>
-        <a:defRPr sz="1754" kern="1200">
-          <a:solidFill>
-            <a:schemeClr val="tx1"/>
-          </a:solidFill>
-          <a:latin typeface="+mn-lt"/>
-          <a:ea typeface="+mn-ea"/>
-          <a:cs typeface="+mn-cs"/>
-        </a:defRPr>
-      </a:lvl4pPr>
-      <a:lvl5pPr marL="2004525" indent="-222725" algn="l" defTabSz="890900" rtl="0" eaLnBrk="1" latinLnBrk="0" hangingPunct="1">
-        <a:lnSpc>
-          <a:spcPct val="90000"/>
-        </a:lnSpc>
-        <a:spcBef>
-          <a:spcPts val="487"/>
-        </a:spcBef>
-        <a:buFont typeface="Arial" panose="020B0604020202020204" pitchFamily="34" charset="0"/>
-        <a:buChar char="•"/>
-        <a:defRPr sz="1754" kern="1200">
+        <a:defRPr sz="2338" kern="1200">
           <a:solidFill>
             <a:schemeClr val="tx1"/>
           </a:solidFill>
@@ -3225,16 +3223,16 @@
           <a:cs typeface="+mn-cs"/>
         </a:defRPr>
       </a:lvl5pPr>
-      <a:lvl6pPr marL="2449975" indent="-222725" algn="l" defTabSz="890900" rtl="0" eaLnBrk="1" latinLnBrk="0" hangingPunct="1">
+      <a:lvl6pPr marL="3266717" indent="-296974" algn="l" defTabSz="1187897" rtl="0" eaLnBrk="1" latinLnBrk="0" hangingPunct="1">
         <a:lnSpc>
           <a:spcPct val="90000"/>
         </a:lnSpc>
         <a:spcBef>
-          <a:spcPts val="487"/>
+          <a:spcPts val="650"/>
         </a:spcBef>
         <a:buFont typeface="Arial" panose="020B0604020202020204" pitchFamily="34" charset="0"/>
         <a:buChar char="•"/>
-        <a:defRPr sz="1754" kern="1200">
+        <a:defRPr sz="2338" kern="1200">
           <a:solidFill>
             <a:schemeClr val="tx1"/>
           </a:solidFill>
@@ -3243,16 +3241,16 @@
           <a:cs typeface="+mn-cs"/>
         </a:defRPr>
       </a:lvl6pPr>
-      <a:lvl7pPr marL="2895425" indent="-222725" algn="l" defTabSz="890900" rtl="0" eaLnBrk="1" latinLnBrk="0" hangingPunct="1">
+      <a:lvl7pPr marL="3860665" indent="-296974" algn="l" defTabSz="1187897" rtl="0" eaLnBrk="1" latinLnBrk="0" hangingPunct="1">
         <a:lnSpc>
           <a:spcPct val="90000"/>
         </a:lnSpc>
         <a:spcBef>
-          <a:spcPts val="487"/>
+          <a:spcPts val="650"/>
         </a:spcBef>
         <a:buFont typeface="Arial" panose="020B0604020202020204" pitchFamily="34" charset="0"/>
         <a:buChar char="•"/>
-        <a:defRPr sz="1754" kern="1200">
+        <a:defRPr sz="2338" kern="1200">
           <a:solidFill>
             <a:schemeClr val="tx1"/>
           </a:solidFill>
@@ -3261,16 +3259,16 @@
           <a:cs typeface="+mn-cs"/>
         </a:defRPr>
       </a:lvl7pPr>
-      <a:lvl8pPr marL="3340875" indent="-222725" algn="l" defTabSz="890900" rtl="0" eaLnBrk="1" latinLnBrk="0" hangingPunct="1">
+      <a:lvl8pPr marL="4454614" indent="-296974" algn="l" defTabSz="1187897" rtl="0" eaLnBrk="1" latinLnBrk="0" hangingPunct="1">
         <a:lnSpc>
           <a:spcPct val="90000"/>
         </a:lnSpc>
         <a:spcBef>
-          <a:spcPts val="487"/>
+          <a:spcPts val="650"/>
         </a:spcBef>
         <a:buFont typeface="Arial" panose="020B0604020202020204" pitchFamily="34" charset="0"/>
         <a:buChar char="•"/>
-        <a:defRPr sz="1754" kern="1200">
+        <a:defRPr sz="2338" kern="1200">
           <a:solidFill>
             <a:schemeClr val="tx1"/>
           </a:solidFill>
@@ -3279,16 +3277,16 @@
           <a:cs typeface="+mn-cs"/>
         </a:defRPr>
       </a:lvl8pPr>
-      <a:lvl9pPr marL="3786325" indent="-222725" algn="l" defTabSz="890900" rtl="0" eaLnBrk="1" latinLnBrk="0" hangingPunct="1">
+      <a:lvl9pPr marL="5048562" indent="-296974" algn="l" defTabSz="1187897" rtl="0" eaLnBrk="1" latinLnBrk="0" hangingPunct="1">
         <a:lnSpc>
           <a:spcPct val="90000"/>
         </a:lnSpc>
         <a:spcBef>
-          <a:spcPts val="487"/>
+          <a:spcPts val="650"/>
         </a:spcBef>
         <a:buFont typeface="Arial" panose="020B0604020202020204" pitchFamily="34" charset="0"/>
         <a:buChar char="•"/>
-        <a:defRPr sz="1754" kern="1200">
+        <a:defRPr sz="2338" kern="1200">
           <a:solidFill>
             <a:schemeClr val="tx1"/>
           </a:solidFill>
@@ -3302,8 +3300,8 @@
       <a:defPPr>
         <a:defRPr lang="en-US"/>
       </a:defPPr>
-      <a:lvl1pPr marL="0" algn="l" defTabSz="890900" rtl="0" eaLnBrk="1" latinLnBrk="0" hangingPunct="1">
-        <a:defRPr sz="1754" kern="1200">
+      <a:lvl1pPr marL="0" algn="l" defTabSz="1187897" rtl="0" eaLnBrk="1" latinLnBrk="0" hangingPunct="1">
+        <a:defRPr sz="2338" kern="1200">
           <a:solidFill>
             <a:schemeClr val="tx1"/>
           </a:solidFill>
@@ -3312,8 +3310,8 @@
           <a:cs typeface="+mn-cs"/>
         </a:defRPr>
       </a:lvl1pPr>
-      <a:lvl2pPr marL="445450" algn="l" defTabSz="890900" rtl="0" eaLnBrk="1" latinLnBrk="0" hangingPunct="1">
-        <a:defRPr sz="1754" kern="1200">
+      <a:lvl2pPr marL="593949" algn="l" defTabSz="1187897" rtl="0" eaLnBrk="1" latinLnBrk="0" hangingPunct="1">
+        <a:defRPr sz="2338" kern="1200">
           <a:solidFill>
             <a:schemeClr val="tx1"/>
           </a:solidFill>
@@ -3322,8 +3320,8 @@
           <a:cs typeface="+mn-cs"/>
         </a:defRPr>
       </a:lvl2pPr>
-      <a:lvl3pPr marL="890900" algn="l" defTabSz="890900" rtl="0" eaLnBrk="1" latinLnBrk="0" hangingPunct="1">
-        <a:defRPr sz="1754" kern="1200">
+      <a:lvl3pPr marL="1187897" algn="l" defTabSz="1187897" rtl="0" eaLnBrk="1" latinLnBrk="0" hangingPunct="1">
+        <a:defRPr sz="2338" kern="1200">
           <a:solidFill>
             <a:schemeClr val="tx1"/>
           </a:solidFill>
@@ -3332,8 +3330,8 @@
           <a:cs typeface="+mn-cs"/>
         </a:defRPr>
       </a:lvl3pPr>
-      <a:lvl4pPr marL="1336350" algn="l" defTabSz="890900" rtl="0" eaLnBrk="1" latinLnBrk="0" hangingPunct="1">
-        <a:defRPr sz="1754" kern="1200">
+      <a:lvl4pPr marL="1781846" algn="l" defTabSz="1187897" rtl="0" eaLnBrk="1" latinLnBrk="0" hangingPunct="1">
+        <a:defRPr sz="2338" kern="1200">
           <a:solidFill>
             <a:schemeClr val="tx1"/>
           </a:solidFill>
@@ -3342,8 +3340,8 @@
           <a:cs typeface="+mn-cs"/>
         </a:defRPr>
       </a:lvl4pPr>
-      <a:lvl5pPr marL="1781800" algn="l" defTabSz="890900" rtl="0" eaLnBrk="1" latinLnBrk="0" hangingPunct="1">
-        <a:defRPr sz="1754" kern="1200">
+      <a:lvl5pPr marL="2375794" algn="l" defTabSz="1187897" rtl="0" eaLnBrk="1" latinLnBrk="0" hangingPunct="1">
+        <a:defRPr sz="2338" kern="1200">
           <a:solidFill>
             <a:schemeClr val="tx1"/>
           </a:solidFill>
@@ -3352,8 +3350,8 @@
           <a:cs typeface="+mn-cs"/>
         </a:defRPr>
       </a:lvl5pPr>
-      <a:lvl6pPr marL="2227250" algn="l" defTabSz="890900" rtl="0" eaLnBrk="1" latinLnBrk="0" hangingPunct="1">
-        <a:defRPr sz="1754" kern="1200">
+      <a:lvl6pPr marL="2969743" algn="l" defTabSz="1187897" rtl="0" eaLnBrk="1" latinLnBrk="0" hangingPunct="1">
+        <a:defRPr sz="2338" kern="1200">
           <a:solidFill>
             <a:schemeClr val="tx1"/>
           </a:solidFill>
@@ -3362,8 +3360,8 @@
           <a:cs typeface="+mn-cs"/>
         </a:defRPr>
       </a:lvl6pPr>
-      <a:lvl7pPr marL="2672700" algn="l" defTabSz="890900" rtl="0" eaLnBrk="1" latinLnBrk="0" hangingPunct="1">
-        <a:defRPr sz="1754" kern="1200">
+      <a:lvl7pPr marL="3563691" algn="l" defTabSz="1187897" rtl="0" eaLnBrk="1" latinLnBrk="0" hangingPunct="1">
+        <a:defRPr sz="2338" kern="1200">
           <a:solidFill>
             <a:schemeClr val="tx1"/>
           </a:solidFill>
@@ -3372,8 +3370,8 @@
           <a:cs typeface="+mn-cs"/>
         </a:defRPr>
       </a:lvl7pPr>
-      <a:lvl8pPr marL="3118150" algn="l" defTabSz="890900" rtl="0" eaLnBrk="1" latinLnBrk="0" hangingPunct="1">
-        <a:defRPr sz="1754" kern="1200">
+      <a:lvl8pPr marL="4157640" algn="l" defTabSz="1187897" rtl="0" eaLnBrk="1" latinLnBrk="0" hangingPunct="1">
+        <a:defRPr sz="2338" kern="1200">
           <a:solidFill>
             <a:schemeClr val="tx1"/>
           </a:solidFill>
@@ -3382,8 +3380,8 @@
           <a:cs typeface="+mn-cs"/>
         </a:defRPr>
       </a:lvl8pPr>
-      <a:lvl9pPr marL="3563600" algn="l" defTabSz="890900" rtl="0" eaLnBrk="1" latinLnBrk="0" hangingPunct="1">
-        <a:defRPr sz="1754" kern="1200">
+      <a:lvl9pPr marL="4751588" algn="l" defTabSz="1187897" rtl="0" eaLnBrk="1" latinLnBrk="0" hangingPunct="1">
+        <a:defRPr sz="2338" kern="1200">
           <a:solidFill>
             <a:schemeClr val="tx1"/>
           </a:solidFill>
@@ -3432,8 +3430,8 @@
         </p:nvSpPr>
         <p:spPr>
           <a:xfrm>
-            <a:off x="744467" y="662626"/>
-            <a:ext cx="8995551" cy="5940475"/>
+            <a:off x="586856" y="718334"/>
+            <a:ext cx="10918209" cy="7513386"/>
           </a:xfrm>
           <a:prstGeom prst="roundRect">
             <a:avLst/>
@@ -3479,127 +3477,6 @@
           </a:p>
         </p:txBody>
       </p:sp>
-      <p:cxnSp>
-        <p:nvCxnSpPr>
-          <p:cNvPr id="269" name="Elbow Connector 268"/>
-          <p:cNvCxnSpPr/>
-          <p:nvPr/>
-        </p:nvCxnSpPr>
-        <p:spPr>
-          <a:xfrm flipV="1">
-            <a:off x="9144317" y="4542450"/>
-            <a:ext cx="921696" cy="2"/>
-          </a:xfrm>
-          <a:prstGeom prst="bentConnector3">
-            <a:avLst>
-              <a:gd name="adj1" fmla="val 28082"/>
-            </a:avLst>
-          </a:prstGeom>
-          <a:ln w="31750">
-            <a:solidFill>
-              <a:srgbClr val="666633">
-                <a:alpha val="63000"/>
-              </a:srgbClr>
-            </a:solidFill>
-            <a:headEnd w="lg" len="lg"/>
-            <a:tailEnd type="triangle"/>
-          </a:ln>
-        </p:spPr>
-        <p:style>
-          <a:lnRef idx="1">
-            <a:schemeClr val="accent1"/>
-          </a:lnRef>
-          <a:fillRef idx="0">
-            <a:schemeClr val="accent1"/>
-          </a:fillRef>
-          <a:effectRef idx="0">
-            <a:schemeClr val="accent1"/>
-          </a:effectRef>
-          <a:fontRef idx="minor">
-            <a:schemeClr val="tx1"/>
-          </a:fontRef>
-        </p:style>
-      </p:cxnSp>
-      <p:cxnSp>
-        <p:nvCxnSpPr>
-          <p:cNvPr id="152" name="Elbow Connector 151"/>
-          <p:cNvCxnSpPr/>
-          <p:nvPr/>
-        </p:nvCxnSpPr>
-        <p:spPr>
-          <a:xfrm rot="5400000" flipH="1" flipV="1">
-            <a:off x="8036712" y="3092579"/>
-            <a:ext cx="555896" cy="340241"/>
-          </a:xfrm>
-          <a:prstGeom prst="bentConnector3">
-            <a:avLst>
-              <a:gd name="adj1" fmla="val 23222"/>
-            </a:avLst>
-          </a:prstGeom>
-          <a:ln w="31750">
-            <a:solidFill>
-              <a:srgbClr val="666633">
-                <a:alpha val="63000"/>
-              </a:srgbClr>
-            </a:solidFill>
-            <a:tailEnd type="triangle"/>
-          </a:ln>
-        </p:spPr>
-        <p:style>
-          <a:lnRef idx="1">
-            <a:schemeClr val="accent1"/>
-          </a:lnRef>
-          <a:fillRef idx="0">
-            <a:schemeClr val="accent1"/>
-          </a:fillRef>
-          <a:effectRef idx="0">
-            <a:schemeClr val="accent1"/>
-          </a:effectRef>
-          <a:fontRef idx="minor">
-            <a:schemeClr val="tx1"/>
-          </a:fontRef>
-        </p:style>
-      </p:cxnSp>
-      <p:cxnSp>
-        <p:nvCxnSpPr>
-          <p:cNvPr id="257" name="Elbow Connector 256"/>
-          <p:cNvCxnSpPr/>
-          <p:nvPr/>
-        </p:nvCxnSpPr>
-        <p:spPr>
-          <a:xfrm rot="5400000" flipH="1" flipV="1">
-            <a:off x="6474601" y="3092579"/>
-            <a:ext cx="555896" cy="340241"/>
-          </a:xfrm>
-          <a:prstGeom prst="bentConnector3">
-            <a:avLst>
-              <a:gd name="adj1" fmla="val 23222"/>
-            </a:avLst>
-          </a:prstGeom>
-          <a:ln w="31750">
-            <a:solidFill>
-              <a:srgbClr val="666633">
-                <a:alpha val="63000"/>
-              </a:srgbClr>
-            </a:solidFill>
-            <a:tailEnd type="triangle"/>
-          </a:ln>
-        </p:spPr>
-        <p:style>
-          <a:lnRef idx="1">
-            <a:schemeClr val="accent1"/>
-          </a:lnRef>
-          <a:fillRef idx="0">
-            <a:schemeClr val="accent1"/>
-          </a:fillRef>
-          <a:effectRef idx="0">
-            <a:schemeClr val="accent1"/>
-          </a:effectRef>
-          <a:fontRef idx="minor">
-            <a:schemeClr val="tx1"/>
-          </a:fontRef>
-        </p:style>
-      </p:cxnSp>
       <p:sp>
         <p:nvSpPr>
           <p:cNvPr id="96" name="Rounded Rectangle 95"/>
@@ -3608,7 +3485,7 @@
         </p:nvSpPr>
         <p:spPr>
           <a:xfrm>
-            <a:off x="6041039" y="3275570"/>
+            <a:off x="6559103" y="5158937"/>
             <a:ext cx="3387955" cy="2761537"/>
           </a:xfrm>
           <a:prstGeom prst="roundRect">
@@ -3709,7 +3586,7 @@
                   <a:srgbClr val="666633"/>
                 </a:solidFill>
               </a:rPr>
-              <a:t>3. Constructing the Anti-unifier</a:t>
+              <a:t>Constructing the anti-unifier</a:t>
             </a:r>
           </a:p>
         </p:txBody>
@@ -3722,7 +3599,7 @@
         </p:nvSpPr>
         <p:spPr>
           <a:xfrm>
-            <a:off x="6308911" y="1173856"/>
+            <a:off x="2282814" y="5159878"/>
             <a:ext cx="2826224" cy="1810895"/>
           </a:xfrm>
           <a:prstGeom prst="roundRect">
@@ -3815,7 +3692,7 @@
                   <a:srgbClr val="666633"/>
                 </a:solidFill>
               </a:rPr>
-              <a:t>4. Computing similarity</a:t>
+              <a:t> Computing similarity between AUASTs</a:t>
             </a:r>
           </a:p>
           <a:p>
@@ -3844,8 +3721,8 @@
         </p:nvSpPr>
         <p:spPr>
           <a:xfrm>
-            <a:off x="1031358" y="3261716"/>
-            <a:ext cx="4095832" cy="2761537"/>
+            <a:off x="1218095" y="971090"/>
+            <a:ext cx="9386218" cy="3016156"/>
           </a:xfrm>
           <a:prstGeom prst="roundRect">
             <a:avLst/>
@@ -3947,27 +3824,35 @@
           </a:p>
           <a:p>
             <a:pPr algn="ctr"/>
+            <a:endParaRPr lang="en-US" dirty="0">
+              <a:solidFill>
+                <a:srgbClr val="666633"/>
+              </a:solidFill>
+            </a:endParaRPr>
+          </a:p>
+          <a:p>
+            <a:pPr algn="ctr"/>
             <a:r>
               <a:rPr lang="en-US" dirty="0">
                 <a:solidFill>
                   <a:srgbClr val="666633"/>
                 </a:solidFill>
               </a:rPr>
-              <a:t>2. Determining best correspondences</a:t>
-            </a:r>
-          </a:p>
-        </p:txBody>
-      </p:sp>
-      <p:sp>
-        <p:nvSpPr>
-          <p:cNvPr id="142" name="Rectangle 141"/>
+              <a:t>                              Determining best correspondences</a:t>
+            </a:r>
+          </a:p>
+        </p:txBody>
+      </p:sp>
+      <p:sp>
+        <p:nvSpPr>
+          <p:cNvPr id="123" name="Rectangle 122"/>
           <p:cNvSpPr/>
           <p:nvPr/>
         </p:nvSpPr>
         <p:spPr>
           <a:xfrm>
-            <a:off x="1382373" y="4682245"/>
-            <a:ext cx="3388102" cy="713573"/>
+            <a:off x="7321718" y="6465203"/>
+            <a:ext cx="1763548" cy="682126"/>
           </a:xfrm>
           <a:prstGeom prst="rect">
             <a:avLst/>
@@ -4025,21 +3910,21 @@
                   <a:srgbClr val="666633"/>
                 </a:solidFill>
               </a:rPr>
-              <a:t>REMOVE-OTHER-CORRESPONDENCES</a:t>
-            </a:r>
-          </a:p>
-        </p:txBody>
-      </p:sp>
-      <p:sp>
-        <p:nvSpPr>
-          <p:cNvPr id="234" name="Rectangle 233"/>
+              <a:t>4. ANTI-UNIFY</a:t>
+            </a:r>
+          </a:p>
+        </p:txBody>
+      </p:sp>
+      <p:sp>
+        <p:nvSpPr>
+          <p:cNvPr id="124" name="Rectangle 123"/>
           <p:cNvSpPr/>
           <p:nvPr/>
         </p:nvSpPr>
         <p:spPr>
           <a:xfrm>
-            <a:off x="1368219" y="3629415"/>
-            <a:ext cx="3416411" cy="721986"/>
+            <a:off x="7043821" y="5556010"/>
+            <a:ext cx="2316953" cy="462524"/>
           </a:xfrm>
           <a:prstGeom prst="rect">
             <a:avLst/>
@@ -4097,21 +3982,87 @@
                   <a:srgbClr val="666633"/>
                 </a:solidFill>
               </a:rPr>
-              <a:t>DETERMINE-CORRESPONDENCE</a:t>
-            </a:r>
-          </a:p>
-        </p:txBody>
-      </p:sp>
-      <p:sp>
-        <p:nvSpPr>
-          <p:cNvPr id="123" name="Rectangle 122"/>
+              <a:t>5. ANTI-UNIFY-PROPERTIES</a:t>
+            </a:r>
+          </a:p>
+        </p:txBody>
+      </p:sp>
+      <p:sp>
+        <p:nvSpPr>
+          <p:cNvPr id="106" name="TextBox 105"/>
+          <p:cNvSpPr txBox="1"/>
+          <p:nvPr/>
+        </p:nvSpPr>
+        <p:spPr>
+          <a:xfrm>
+            <a:off x="7517836" y="8612680"/>
+            <a:ext cx="1835608" cy="403316"/>
+          </a:xfrm>
+          <a:prstGeom prst="rect">
+            <a:avLst/>
+          </a:prstGeom>
+          <a:noFill/>
+        </p:spPr>
+        <p:txBody>
+          <a:bodyPr wrap="square" rtlCol="0">
+            <a:spAutoFit/>
+          </a:bodyPr>
+          <a:lstStyle/>
+          <a:p>
+            <a:r>
+              <a:rPr lang="en-US" sz="2021" dirty="0">
+                <a:solidFill>
+                  <a:srgbClr val="666633"/>
+                </a:solidFill>
+              </a:rPr>
+              <a:t>Anti-unifier</a:t>
+            </a:r>
+          </a:p>
+        </p:txBody>
+      </p:sp>
+      <p:sp>
+        <p:nvSpPr>
+          <p:cNvPr id="73" name="TextBox 72"/>
+          <p:cNvSpPr txBox="1"/>
+          <p:nvPr/>
+        </p:nvSpPr>
+        <p:spPr>
+          <a:xfrm>
+            <a:off x="3106323" y="8559040"/>
+            <a:ext cx="1171085" cy="403316"/>
+          </a:xfrm>
+          <a:prstGeom prst="rect">
+            <a:avLst/>
+          </a:prstGeom>
+          <a:noFill/>
+        </p:spPr>
+        <p:txBody>
+          <a:bodyPr wrap="square" rtlCol="0">
+            <a:spAutoFit/>
+          </a:bodyPr>
+          <a:lstStyle/>
+          <a:p>
+            <a:r>
+              <a:rPr lang="en-US" sz="2021" dirty="0">
+                <a:solidFill>
+                  <a:srgbClr val="666633"/>
+                </a:solidFill>
+              </a:rPr>
+              <a:t>Similarity</a:t>
+            </a:r>
+          </a:p>
+        </p:txBody>
+      </p:sp>
+      <p:sp>
+        <p:nvSpPr>
+          <p:cNvPr id="53" name="Rectangle 52"/>
           <p:cNvSpPr/>
           <p:nvPr/>
         </p:nvSpPr>
         <p:spPr>
           <a:xfrm>
-            <a:off x="6840249" y="4607745"/>
-            <a:ext cx="1763548" cy="682126"/>
+            <a:off x="2705870" y="5470318"/>
+            <a:ext cx="2047162" cy="770069"/>
           </a:xfrm>
           <a:prstGeom prst="rect">
             <a:avLst/>
@@ -4169,21 +4120,186 @@
                   <a:srgbClr val="666633"/>
                 </a:solidFill>
               </a:rPr>
-              <a:t>ANTI-UNIFY</a:t>
-            </a:r>
-          </a:p>
-        </p:txBody>
-      </p:sp>
-      <p:sp>
-        <p:nvSpPr>
-          <p:cNvPr id="124" name="Rectangle 123"/>
+              <a:t>COMPUTE-SIMILARITY</a:t>
+            </a:r>
+          </a:p>
+        </p:txBody>
+      </p:sp>
+      <p:cxnSp>
+        <p:nvCxnSpPr>
+          <p:cNvPr id="64" name="Straight Arrow Connector 63"/>
+          <p:cNvCxnSpPr>
+            <a:stCxn id="124" idx="2"/>
+            <a:endCxn id="123" idx="0"/>
+          </p:cNvCxnSpPr>
+          <p:nvPr/>
+        </p:nvCxnSpPr>
+        <p:spPr>
+          <a:xfrm>
+            <a:off x="8202299" y="6018537"/>
+            <a:ext cx="1197" cy="446669"/>
+          </a:xfrm>
+          <a:prstGeom prst="straightConnector1">
+            <a:avLst/>
+          </a:prstGeom>
+          <a:ln w="31750">
+            <a:solidFill>
+              <a:srgbClr val="666633">
+                <a:alpha val="63000"/>
+              </a:srgbClr>
+            </a:solidFill>
+            <a:headEnd type="triangle"/>
+            <a:tailEnd type="triangle"/>
+          </a:ln>
+        </p:spPr>
+        <p:style>
+          <a:lnRef idx="1">
+            <a:schemeClr val="accent1"/>
+          </a:lnRef>
+          <a:fillRef idx="0">
+            <a:schemeClr val="accent1"/>
+          </a:fillRef>
+          <a:effectRef idx="0">
+            <a:schemeClr val="accent1"/>
+          </a:effectRef>
+          <a:fontRef idx="minor">
+            <a:schemeClr val="tx1"/>
+          </a:fontRef>
+        </p:style>
+      </p:cxnSp>
+      <p:cxnSp>
+        <p:nvCxnSpPr>
+          <p:cNvPr id="219" name="Elbow Connector 218"/>
+          <p:cNvCxnSpPr/>
+          <p:nvPr/>
+        </p:nvCxnSpPr>
+        <p:spPr>
+          <a:xfrm flipV="1">
+            <a:off x="5118219" y="6106223"/>
+            <a:ext cx="921696" cy="2"/>
+          </a:xfrm>
+          <a:prstGeom prst="bentConnector3">
+            <a:avLst>
+              <a:gd name="adj1" fmla="val 50000"/>
+            </a:avLst>
+          </a:prstGeom>
+          <a:ln w="31750">
+            <a:solidFill>
+              <a:srgbClr val="666633">
+                <a:alpha val="63000"/>
+              </a:srgbClr>
+            </a:solidFill>
+            <a:headEnd w="lg" len="lg"/>
+            <a:tailEnd type="triangle"/>
+          </a:ln>
+        </p:spPr>
+        <p:style>
+          <a:lnRef idx="1">
+            <a:schemeClr val="accent1"/>
+          </a:lnRef>
+          <a:fillRef idx="0">
+            <a:schemeClr val="accent1"/>
+          </a:fillRef>
+          <a:effectRef idx="0">
+            <a:schemeClr val="accent1"/>
+          </a:effectRef>
+          <a:fontRef idx="minor">
+            <a:schemeClr val="tx1"/>
+          </a:fontRef>
+        </p:style>
+      </p:cxnSp>
+      <p:cxnSp>
+        <p:nvCxnSpPr>
+          <p:cNvPr id="6" name="Elbow Connector 5"/>
+          <p:cNvCxnSpPr/>
+          <p:nvPr/>
+        </p:nvCxnSpPr>
+        <p:spPr>
+          <a:xfrm>
+            <a:off x="2921338" y="4223586"/>
+            <a:ext cx="4400385" cy="949484"/>
+          </a:xfrm>
+          <a:prstGeom prst="bentConnector3">
+            <a:avLst>
+              <a:gd name="adj1" fmla="val 99934"/>
+            </a:avLst>
+          </a:prstGeom>
+          <a:ln w="31750">
+            <a:solidFill>
+              <a:srgbClr val="666633">
+                <a:alpha val="63000"/>
+              </a:srgbClr>
+            </a:solidFill>
+            <a:headEnd w="lg" len="lg"/>
+            <a:tailEnd type="triangle"/>
+          </a:ln>
+        </p:spPr>
+        <p:style>
+          <a:lnRef idx="1">
+            <a:schemeClr val="accent1"/>
+          </a:lnRef>
+          <a:fillRef idx="0">
+            <a:schemeClr val="accent1"/>
+          </a:fillRef>
+          <a:effectRef idx="0">
+            <a:schemeClr val="accent1"/>
+          </a:effectRef>
+          <a:fontRef idx="minor">
+            <a:schemeClr val="tx1"/>
+          </a:fontRef>
+        </p:style>
+      </p:cxnSp>
+      <p:cxnSp>
+        <p:nvCxnSpPr>
+          <p:cNvPr id="89" name="Elbow Connector 88"/>
+          <p:cNvCxnSpPr/>
+          <p:nvPr/>
+        </p:nvCxnSpPr>
+        <p:spPr>
+          <a:xfrm rot="16200000" flipH="1">
+            <a:off x="2911934" y="7744971"/>
+            <a:ext cx="1563925" cy="4062"/>
+          </a:xfrm>
+          <a:prstGeom prst="bentConnector3">
+            <a:avLst>
+              <a:gd name="adj1" fmla="val 50000"/>
+            </a:avLst>
+          </a:prstGeom>
+          <a:ln w="31750">
+            <a:solidFill>
+              <a:srgbClr val="666633">
+                <a:alpha val="63000"/>
+              </a:srgbClr>
+            </a:solidFill>
+            <a:headEnd w="lg" len="lg"/>
+            <a:tailEnd type="triangle"/>
+          </a:ln>
+        </p:spPr>
+        <p:style>
+          <a:lnRef idx="1">
+            <a:schemeClr val="accent1"/>
+          </a:lnRef>
+          <a:fillRef idx="0">
+            <a:schemeClr val="accent1"/>
+          </a:fillRef>
+          <a:effectRef idx="0">
+            <a:schemeClr val="accent1"/>
+          </a:effectRef>
+          <a:fontRef idx="minor">
+            <a:schemeClr val="tx1"/>
+          </a:fontRef>
+        </p:style>
+      </p:cxnSp>
+      <p:sp>
+        <p:nvSpPr>
+          <p:cNvPr id="31" name="Rectangle 30"/>
           <p:cNvSpPr/>
           <p:nvPr/>
         </p:nvSpPr>
         <p:spPr>
           <a:xfrm>
-            <a:off x="6718764" y="3698552"/>
-            <a:ext cx="2006519" cy="462524"/>
+            <a:off x="6744575" y="2559963"/>
+            <a:ext cx="3388103" cy="713573"/>
           </a:xfrm>
           <a:prstGeom prst="rect">
             <a:avLst/>
@@ -4241,21 +4357,21 @@
                   <a:srgbClr val="666633"/>
                 </a:solidFill>
               </a:rPr>
-              <a:t>ANTI-UNIFY-PROPERTY</a:t>
-            </a:r>
-          </a:p>
-        </p:txBody>
-      </p:sp>
-      <p:sp>
-        <p:nvSpPr>
-          <p:cNvPr id="54" name="TextBox 53"/>
+              <a:t>REMOVE-OTHER-CORRESPONDENCES</a:t>
+            </a:r>
+          </a:p>
+        </p:txBody>
+      </p:sp>
+      <p:sp>
+        <p:nvSpPr>
+          <p:cNvPr id="32" name="TextBox 31"/>
           <p:cNvSpPr txBox="1"/>
           <p:nvPr/>
         </p:nvSpPr>
         <p:spPr>
           <a:xfrm>
-            <a:off x="3519377" y="125041"/>
-            <a:ext cx="1084522" cy="329001"/>
+            <a:off x="4078091" y="278847"/>
+            <a:ext cx="1084523" cy="329001"/>
           </a:xfrm>
           <a:prstGeom prst="rect">
             <a:avLst/>
@@ -4281,13 +4397,13 @@
       </p:sp>
       <p:sp>
         <p:nvSpPr>
-          <p:cNvPr id="55" name="TextBox 54"/>
+          <p:cNvPr id="33" name="TextBox 32"/>
           <p:cNvSpPr txBox="1"/>
           <p:nvPr/>
         </p:nvSpPr>
         <p:spPr>
           <a:xfrm>
-            <a:off x="1660444" y="125041"/>
+            <a:off x="2200003" y="275230"/>
             <a:ext cx="1174565" cy="329001"/>
           </a:xfrm>
           <a:prstGeom prst="rect">
@@ -4307,87 +4423,62 @@
                   <a:srgbClr val="666633"/>
                 </a:solidFill>
               </a:rPr>
-              <a:t>   AUAST A</a:t>
-            </a:r>
-          </a:p>
-        </p:txBody>
-      </p:sp>
-      <p:sp>
-        <p:nvSpPr>
-          <p:cNvPr id="106" name="TextBox 105"/>
-          <p:cNvSpPr txBox="1"/>
+              <a:t>    AUAST A</a:t>
+            </a:r>
+          </a:p>
+        </p:txBody>
+      </p:sp>
+      <p:cxnSp>
+        <p:nvCxnSpPr>
+          <p:cNvPr id="34" name="Elbow Connector 33"/>
+          <p:cNvCxnSpPr/>
           <p:nvPr/>
-        </p:nvSpPr>
-        <p:spPr>
-          <a:xfrm>
-            <a:off x="10051838" y="4315165"/>
-            <a:ext cx="1835608" cy="403316"/>
-          </a:xfrm>
-          <a:prstGeom prst="rect">
-            <a:avLst/>
+        </p:nvCxnSpPr>
+        <p:spPr>
+          <a:xfrm rot="16200000" flipH="1">
+            <a:off x="4344717" y="997952"/>
+            <a:ext cx="583938" cy="3"/>
+          </a:xfrm>
+          <a:prstGeom prst="bentConnector3">
+            <a:avLst>
+              <a:gd name="adj1" fmla="val 50000"/>
+            </a:avLst>
           </a:prstGeom>
-          <a:noFill/>
-        </p:spPr>
-        <p:txBody>
-          <a:bodyPr wrap="square" rtlCol="0">
-            <a:spAutoFit/>
-          </a:bodyPr>
-          <a:lstStyle/>
-          <a:p>
-            <a:r>
-              <a:rPr lang="en-US" sz="2021" dirty="0">
-                <a:solidFill>
-                  <a:srgbClr val="666633"/>
-                </a:solidFill>
-              </a:rPr>
-              <a:t>Anti-unifier</a:t>
-            </a:r>
-          </a:p>
-        </p:txBody>
-      </p:sp>
-      <p:sp>
-        <p:nvSpPr>
-          <p:cNvPr id="73" name="TextBox 72"/>
-          <p:cNvSpPr txBox="1"/>
-          <p:nvPr/>
-        </p:nvSpPr>
-        <p:spPr>
-          <a:xfrm>
-            <a:off x="10051838" y="1902393"/>
-            <a:ext cx="1171085" cy="403316"/>
-          </a:xfrm>
-          <a:prstGeom prst="rect">
-            <a:avLst/>
-          </a:prstGeom>
-          <a:noFill/>
-        </p:spPr>
-        <p:txBody>
-          <a:bodyPr wrap="square" rtlCol="0">
-            <a:spAutoFit/>
-          </a:bodyPr>
-          <a:lstStyle/>
-          <a:p>
-            <a:r>
-              <a:rPr lang="en-US" sz="2021" dirty="0">
-                <a:solidFill>
-                  <a:srgbClr val="666633"/>
-                </a:solidFill>
-              </a:rPr>
-              <a:t>Similarity</a:t>
-            </a:r>
-          </a:p>
-        </p:txBody>
-      </p:sp>
-      <p:sp>
-        <p:nvSpPr>
-          <p:cNvPr id="53" name="Rectangle 52"/>
+          <a:ln w="31750">
+            <a:solidFill>
+              <a:srgbClr val="666633">
+                <a:alpha val="63000"/>
+              </a:srgbClr>
+            </a:solidFill>
+            <a:headEnd w="lg" len="lg"/>
+            <a:tailEnd type="triangle"/>
+          </a:ln>
+        </p:spPr>
+        <p:style>
+          <a:lnRef idx="1">
+            <a:schemeClr val="accent1"/>
+          </a:lnRef>
+          <a:fillRef idx="0">
+            <a:schemeClr val="accent1"/>
+          </a:fillRef>
+          <a:effectRef idx="0">
+            <a:schemeClr val="accent1"/>
+          </a:effectRef>
+          <a:fontRef idx="minor">
+            <a:schemeClr val="tx1"/>
+          </a:fontRef>
+        </p:style>
+      </p:cxnSp>
+      <p:sp>
+        <p:nvSpPr>
+          <p:cNvPr id="36" name="Rectangle 35"/>
           <p:cNvSpPr/>
           <p:nvPr/>
         </p:nvSpPr>
         <p:spPr>
           <a:xfrm>
-            <a:off x="6771160" y="1467446"/>
-            <a:ext cx="1832637" cy="770069"/>
+            <a:off x="1768147" y="1293921"/>
+            <a:ext cx="4089091" cy="1907568"/>
           </a:xfrm>
           <a:prstGeom prst="rect">
             <a:avLst/>
@@ -4445,24 +4536,95 @@
                   <a:srgbClr val="666633"/>
                 </a:solidFill>
               </a:rPr>
-              <a:t>COMPUTE-MATCHES</a:t>
+              <a:t>DETERMINE-BEST-CORRESPONDENCES</a:t>
+            </a:r>
+          </a:p>
+        </p:txBody>
+      </p:sp>
+      <p:sp>
+        <p:nvSpPr>
+          <p:cNvPr id="37" name="Rectangle 36"/>
+          <p:cNvSpPr/>
+          <p:nvPr/>
+        </p:nvSpPr>
+        <p:spPr>
+          <a:xfrm>
+            <a:off x="7322493" y="1301516"/>
+            <a:ext cx="2226296" cy="713573"/>
+          </a:xfrm>
+          <a:prstGeom prst="rect">
+            <a:avLst/>
+          </a:prstGeom>
+          <a:solidFill>
+            <a:schemeClr val="accent6">
+              <a:lumMod val="40000"/>
+              <a:lumOff val="60000"/>
+            </a:schemeClr>
+          </a:solidFill>
+          <a:ln>
+            <a:solidFill>
+              <a:schemeClr val="accent6">
+                <a:lumMod val="75000"/>
+              </a:schemeClr>
+            </a:solidFill>
+          </a:ln>
+          <a:effectLst>
+            <a:outerShdw blurRad="44450" dist="27940" dir="5400000" algn="ctr">
+              <a:srgbClr val="000000">
+                <a:alpha val="32000"/>
+              </a:srgbClr>
+            </a:outerShdw>
+          </a:effectLst>
+        </p:spPr>
+        <p:style>
+          <a:lnRef idx="2">
+            <a:schemeClr val="accent1">
+              <a:shade val="50000"/>
+            </a:schemeClr>
+          </a:lnRef>
+          <a:fillRef idx="1">
+            <a:schemeClr val="accent1"/>
+          </a:fillRef>
+          <a:effectRef idx="0">
+            <a:schemeClr val="accent1"/>
+          </a:effectRef>
+          <a:fontRef idx="minor">
+            <a:schemeClr val="lt1"/>
+          </a:fontRef>
+        </p:style>
+        <p:txBody>
+          <a:bodyPr rot="0" spcFirstLastPara="0" vertOverflow="overflow" horzOverflow="overflow" vert="horz" wrap="square" lIns="65994" tIns="32996" rIns="65994" bIns="32996" numCol="1" spcCol="0" rtlCol="0" fromWordArt="0" anchor="ctr" anchorCtr="0" forceAA="0" compatLnSpc="1">
+            <a:prstTxWarp prst="textNoShape">
+              <a:avLst/>
+            </a:prstTxWarp>
+            <a:noAutofit/>
+          </a:bodyPr>
+          <a:lstStyle/>
+          <a:p>
+            <a:pPr algn="ctr"/>
+            <a:r>
+              <a:rPr lang="en-US" sz="1538" dirty="0">
+                <a:solidFill>
+                  <a:srgbClr val="666633"/>
+                </a:solidFill>
+              </a:rPr>
+              <a:t>APPLY-CONSTRAINTS</a:t>
             </a:r>
           </a:p>
         </p:txBody>
       </p:sp>
       <p:cxnSp>
         <p:nvCxnSpPr>
-          <p:cNvPr id="12" name="Straight Arrow Connector 11"/>
+          <p:cNvPr id="38" name="Straight Arrow Connector 37"/>
           <p:cNvCxnSpPr>
-            <a:stCxn id="234" idx="2"/>
-            <a:endCxn id="142" idx="0"/>
+            <a:stCxn id="37" idx="1"/>
           </p:cNvCxnSpPr>
           <p:nvPr/>
         </p:nvCxnSpPr>
         <p:spPr>
           <a:xfrm flipH="1">
-            <a:off x="3076424" y="4351401"/>
-            <a:ext cx="1" cy="330844"/>
+            <a:off x="5857232" y="1658304"/>
+            <a:ext cx="1465260" cy="6647"/>
           </a:xfrm>
           <a:prstGeom prst="straightConnector1">
             <a:avLst/>
@@ -4494,17 +4656,17 @@
       </p:cxnSp>
       <p:cxnSp>
         <p:nvCxnSpPr>
-          <p:cNvPr id="64" name="Straight Arrow Connector 63"/>
+          <p:cNvPr id="39" name="Straight Arrow Connector 38"/>
           <p:cNvCxnSpPr>
-            <a:stCxn id="124" idx="2"/>
-            <a:endCxn id="123" idx="0"/>
+            <a:stCxn id="37" idx="2"/>
+            <a:endCxn id="31" idx="0"/>
           </p:cNvCxnSpPr>
           <p:nvPr/>
         </p:nvCxnSpPr>
         <p:spPr>
-          <a:xfrm flipH="1">
-            <a:off x="7722023" y="4161076"/>
-            <a:ext cx="1" cy="446669"/>
+          <a:xfrm>
+            <a:off x="8435639" y="2015081"/>
+            <a:ext cx="2984" cy="544874"/>
           </a:xfrm>
           <a:prstGeom prst="straightConnector1">
             <a:avLst/>
@@ -4534,76 +4696,16 @@
           </a:fontRef>
         </p:style>
       </p:cxnSp>
-      <p:sp>
-        <p:nvSpPr>
-          <p:cNvPr id="236" name="Rounded Rectangle 235"/>
-          <p:cNvSpPr/>
-          <p:nvPr/>
-        </p:nvSpPr>
-        <p:spPr>
-          <a:xfrm>
-            <a:off x="1608381" y="1977908"/>
-            <a:ext cx="3116151" cy="920586"/>
-          </a:xfrm>
-          <a:prstGeom prst="roundRect">
-            <a:avLst/>
-          </a:prstGeom>
-          <a:solidFill>
-            <a:srgbClr val="FDF373"/>
-          </a:solidFill>
-          <a:ln>
-            <a:solidFill>
-              <a:schemeClr val="accent4">
-                <a:lumMod val="60000"/>
-                <a:lumOff val="40000"/>
-              </a:schemeClr>
-            </a:solidFill>
-          </a:ln>
-        </p:spPr>
-        <p:style>
-          <a:lnRef idx="2">
-            <a:schemeClr val="accent1">
-              <a:shade val="50000"/>
-            </a:schemeClr>
-          </a:lnRef>
-          <a:fillRef idx="1">
-            <a:schemeClr val="accent1"/>
-          </a:fillRef>
-          <a:effectRef idx="0">
-            <a:schemeClr val="accent1"/>
-          </a:effectRef>
-          <a:fontRef idx="minor">
-            <a:schemeClr val="lt1"/>
-          </a:fontRef>
-        </p:style>
-        <p:txBody>
-          <a:bodyPr rtlCol="0" anchor="ctr"/>
-          <a:lstStyle/>
-          <a:p>
-            <a:pPr algn="ctr"/>
-            <a:r>
-              <a:rPr lang="en-US" dirty="0">
-                <a:solidFill>
-                  <a:srgbClr val="666633"/>
-                </a:solidFill>
-              </a:rPr>
-              <a:t>1. Applying constraints in determining correspondences</a:t>
-            </a:r>
-          </a:p>
-        </p:txBody>
-      </p:sp>
       <p:cxnSp>
         <p:nvCxnSpPr>
-          <p:cNvPr id="126" name="Elbow Connector 125"/>
-          <p:cNvCxnSpPr>
-            <a:stCxn id="54" idx="2"/>
-          </p:cNvCxnSpPr>
+          <p:cNvPr id="40" name="Elbow Connector 39"/>
+          <p:cNvCxnSpPr/>
           <p:nvPr/>
         </p:nvCxnSpPr>
         <p:spPr>
           <a:xfrm rot="16200000" flipH="1">
-            <a:off x="3299706" y="1215973"/>
-            <a:ext cx="1523864" cy="1"/>
+            <a:off x="2495325" y="1010305"/>
+            <a:ext cx="583938" cy="3"/>
           </a:xfrm>
           <a:prstGeom prst="bentConnector3">
             <a:avLst>
@@ -4637,14 +4739,53 @@
       </p:cxnSp>
       <p:cxnSp>
         <p:nvCxnSpPr>
-          <p:cNvPr id="128" name="Elbow Connector 127"/>
+          <p:cNvPr id="41" name="Straight Arrow Connector 40"/>
           <p:cNvCxnSpPr/>
           <p:nvPr/>
         </p:nvCxnSpPr>
         <p:spPr>
+          <a:xfrm flipH="1">
+            <a:off x="5857235" y="2916741"/>
+            <a:ext cx="887343" cy="0"/>
+          </a:xfrm>
+          <a:prstGeom prst="straightConnector1">
+            <a:avLst/>
+          </a:prstGeom>
+          <a:ln w="31750">
+            <a:solidFill>
+              <a:srgbClr val="666633">
+                <a:alpha val="63000"/>
+              </a:srgbClr>
+            </a:solidFill>
+            <a:headEnd type="triangle"/>
+            <a:tailEnd type="triangle"/>
+          </a:ln>
+        </p:spPr>
+        <p:style>
+          <a:lnRef idx="1">
+            <a:schemeClr val="accent1"/>
+          </a:lnRef>
+          <a:fillRef idx="0">
+            <a:schemeClr val="accent1"/>
+          </a:fillRef>
+          <a:effectRef idx="0">
+            <a:schemeClr val="accent1"/>
+          </a:effectRef>
+          <a:fontRef idx="minor">
+            <a:schemeClr val="tx1"/>
+          </a:fontRef>
+        </p:style>
+      </p:cxnSp>
+      <p:cxnSp>
+        <p:nvCxnSpPr>
+          <p:cNvPr id="45" name="Elbow Connector 44"/>
+          <p:cNvCxnSpPr/>
+          <p:nvPr/>
+        </p:nvCxnSpPr>
+        <p:spPr>
           <a:xfrm rot="16200000" flipH="1">
-            <a:off x="3880026" y="3080104"/>
-            <a:ext cx="363225" cy="1"/>
+            <a:off x="3657962" y="4181151"/>
+            <a:ext cx="1957444" cy="4"/>
           </a:xfrm>
           <a:prstGeom prst="bentConnector3">
             <a:avLst>
@@ -4678,14 +4819,14 @@
       </p:cxnSp>
       <p:cxnSp>
         <p:nvCxnSpPr>
-          <p:cNvPr id="129" name="Elbow Connector 128"/>
+          <p:cNvPr id="47" name="Elbow Connector 46"/>
           <p:cNvCxnSpPr/>
           <p:nvPr/>
         </p:nvCxnSpPr>
         <p:spPr>
           <a:xfrm rot="16200000" flipH="1">
-            <a:off x="2008773" y="3085895"/>
-            <a:ext cx="363225" cy="1"/>
+            <a:off x="1958409" y="4180209"/>
+            <a:ext cx="1957444" cy="4"/>
           </a:xfrm>
           <a:prstGeom prst="bentConnector3">
             <a:avLst>
@@ -4719,96 +4860,18 @@
       </p:cxnSp>
       <p:cxnSp>
         <p:nvCxnSpPr>
-          <p:cNvPr id="134" name="Straight Arrow Connector 133"/>
+          <p:cNvPr id="60" name="Elbow Connector 59"/>
           <p:cNvCxnSpPr/>
           <p:nvPr/>
         </p:nvCxnSpPr>
         <p:spPr>
           <a:xfrm>
-            <a:off x="5127190" y="5321770"/>
-            <a:ext cx="926566" cy="0"/>
-          </a:xfrm>
-          <a:prstGeom prst="straightConnector1">
-            <a:avLst/>
-          </a:prstGeom>
-          <a:ln w="31750">
-            <a:solidFill>
-              <a:srgbClr val="666633">
-                <a:alpha val="63000"/>
-              </a:srgbClr>
-            </a:solidFill>
-            <a:tailEnd type="triangle"/>
-          </a:ln>
-        </p:spPr>
-        <p:style>
-          <a:lnRef idx="1">
-            <a:schemeClr val="accent1"/>
-          </a:lnRef>
-          <a:fillRef idx="0">
-            <a:schemeClr val="accent1"/>
-          </a:fillRef>
-          <a:effectRef idx="0">
-            <a:schemeClr val="accent1"/>
-          </a:effectRef>
-          <a:fontRef idx="minor">
-            <a:schemeClr val="tx1"/>
-          </a:fontRef>
-        </p:style>
-      </p:cxnSp>
-      <p:cxnSp>
-        <p:nvCxnSpPr>
-          <p:cNvPr id="208" name="Straight Arrow Connector 207"/>
-          <p:cNvCxnSpPr/>
-          <p:nvPr/>
-        </p:nvCxnSpPr>
-        <p:spPr>
-          <a:xfrm>
-            <a:off x="5127190" y="3974980"/>
-            <a:ext cx="926566" cy="0"/>
-          </a:xfrm>
-          <a:prstGeom prst="straightConnector1">
-            <a:avLst/>
-          </a:prstGeom>
-          <a:ln w="31750">
-            <a:solidFill>
-              <a:srgbClr val="666633">
-                <a:alpha val="63000"/>
-              </a:srgbClr>
-            </a:solidFill>
-            <a:tailEnd type="triangle"/>
-          </a:ln>
-        </p:spPr>
-        <p:style>
-          <a:lnRef idx="1">
-            <a:schemeClr val="accent1"/>
-          </a:lnRef>
-          <a:fillRef idx="0">
-            <a:schemeClr val="accent1"/>
-          </a:fillRef>
-          <a:effectRef idx="0">
-            <a:schemeClr val="accent1"/>
-          </a:effectRef>
-          <a:fontRef idx="minor">
-            <a:schemeClr val="tx1"/>
-          </a:fontRef>
-        </p:style>
-      </p:cxnSp>
-      <p:cxnSp>
-        <p:nvCxnSpPr>
-          <p:cNvPr id="219" name="Elbow Connector 218"/>
-          <p:cNvCxnSpPr>
-            <a:endCxn id="73" idx="1"/>
-          </p:cNvCxnSpPr>
-          <p:nvPr/>
-        </p:nvCxnSpPr>
-        <p:spPr>
-          <a:xfrm flipV="1">
-            <a:off x="9130142" y="2104051"/>
-            <a:ext cx="921696" cy="2"/>
+            <a:off x="4627880" y="4596964"/>
+            <a:ext cx="4412874" cy="576108"/>
           </a:xfrm>
           <a:prstGeom prst="bentConnector3">
             <a:avLst>
-              <a:gd name="adj1" fmla="val 50000"/>
+              <a:gd name="adj1" fmla="val 99793"/>
             </a:avLst>
           </a:prstGeom>
           <a:ln w="31750">
@@ -4838,14 +4901,14 @@
       </p:cxnSp>
       <p:cxnSp>
         <p:nvCxnSpPr>
-          <p:cNvPr id="259" name="Elbow Connector 258"/>
+          <p:cNvPr id="65" name="Elbow Connector 64"/>
           <p:cNvCxnSpPr/>
           <p:nvPr/>
         </p:nvCxnSpPr>
         <p:spPr>
           <a:xfrm rot="16200000" flipH="1">
-            <a:off x="1407155" y="1215972"/>
-            <a:ext cx="1523864" cy="1"/>
+            <a:off x="7970939" y="8237826"/>
+            <a:ext cx="583938" cy="3"/>
           </a:xfrm>
           <a:prstGeom prst="bentConnector3">
             <a:avLst>
